--- a/presentati/Пример месячного отчёта.pptx
+++ b/presentati/Пример месячного отчёта.pptx
@@ -20,9 +20,9 @@
     <p:sldId id="287" r:id="rId11"/>
     <p:sldId id="266" r:id="rId12"/>
     <p:sldId id="276" r:id="rId13"/>
-    <p:sldId id="267" r:id="rId14"/>
-    <p:sldId id="268" r:id="rId15"/>
-    <p:sldId id="278" r:id="rId16"/>
+    <p:sldId id="288" r:id="rId14"/>
+    <p:sldId id="289" r:id="rId15"/>
+    <p:sldId id="290" r:id="rId16"/>
     <p:sldId id="274" r:id="rId17"/>
     <p:sldId id="282" r:id="rId18"/>
   </p:sldIdLst>
@@ -213,7 +213,7 @@
           <a:p>
             <a:fld id="{44A24EF8-80C7-9147-9FC6-30ABE53D858F}" type="datetimeFigureOut">
               <a:rPr lang="en-US" smtClean="0"/>
-              <a:t>2/13/18</a:t>
+              <a:t>4/12/18</a:t>
             </a:fld>
             <a:endParaRPr lang="en-US"/>
           </a:p>
@@ -630,90 +630,6 @@
           <a:p>
             <a:fld id="{1B1BB518-D297-2648-82F7-7317F31204A9}" type="slidenum">
               <a:rPr lang="en-US" smtClean="0"/>
-              <a:t>15</a:t>
-            </a:fld>
-            <a:endParaRPr lang="en-US"/>
-          </a:p>
-        </p:txBody>
-      </p:sp>
-    </p:spTree>
-    <p:extLst>
-      <p:ext uri="{BB962C8B-B14F-4D97-AF65-F5344CB8AC3E}">
-        <p14:creationId xmlns:p14="http://schemas.microsoft.com/office/powerpoint/2010/main" val="1896493510"/>
-      </p:ext>
-    </p:extLst>
-  </p:cSld>
-  <p:clrMapOvr>
-    <a:masterClrMapping/>
-  </p:clrMapOvr>
-</p:notes>
-</file>
-
-<file path=ppt/notesSlides/notesSlide3.xml><?xml version="1.0" encoding="utf-8"?>
-<p:notes xmlns:a="http://schemas.openxmlformats.org/drawingml/2006/main" xmlns:r="http://schemas.openxmlformats.org/officeDocument/2006/relationships" xmlns:p="http://schemas.openxmlformats.org/presentationml/2006/main">
-  <p:cSld>
-    <p:spTree>
-      <p:nvGrpSpPr>
-        <p:cNvPr id="1" name=""/>
-        <p:cNvGrpSpPr/>
-        <p:nvPr/>
-      </p:nvGrpSpPr>
-      <p:grpSpPr>
-        <a:xfrm>
-          <a:off x="0" y="0"/>
-          <a:ext cx="0" cy="0"/>
-          <a:chOff x="0" y="0"/>
-          <a:chExt cx="0" cy="0"/>
-        </a:xfrm>
-      </p:grpSpPr>
-      <p:sp>
-        <p:nvSpPr>
-          <p:cNvPr id="2" name="Slide Image Placeholder 1"/>
-          <p:cNvSpPr>
-            <a:spLocks noGrp="1" noRot="1" noChangeAspect="1"/>
-          </p:cNvSpPr>
-          <p:nvPr>
-            <p:ph type="sldImg"/>
-          </p:nvPr>
-        </p:nvSpPr>
-        <p:spPr/>
-      </p:sp>
-      <p:sp>
-        <p:nvSpPr>
-          <p:cNvPr id="3" name="Notes Placeholder 2"/>
-          <p:cNvSpPr>
-            <a:spLocks noGrp="1"/>
-          </p:cNvSpPr>
-          <p:nvPr>
-            <p:ph type="body" idx="1"/>
-          </p:nvPr>
-        </p:nvSpPr>
-        <p:spPr/>
-        <p:txBody>
-          <a:bodyPr/>
-          <a:lstStyle/>
-          <a:p>
-            <a:endParaRPr lang="en-US" dirty="0"/>
-          </a:p>
-        </p:txBody>
-      </p:sp>
-      <p:sp>
-        <p:nvSpPr>
-          <p:cNvPr id="4" name="Slide Number Placeholder 3"/>
-          <p:cNvSpPr>
-            <a:spLocks noGrp="1"/>
-          </p:cNvSpPr>
-          <p:nvPr>
-            <p:ph type="sldNum" sz="quarter" idx="10"/>
-          </p:nvPr>
-        </p:nvSpPr>
-        <p:spPr/>
-        <p:txBody>
-          <a:bodyPr/>
-          <a:lstStyle/>
-          <a:p>
-            <a:fld id="{1B1BB518-D297-2648-82F7-7317F31204A9}" type="slidenum">
-              <a:rPr lang="en-US" smtClean="0"/>
               <a:t>16</a:t>
             </a:fld>
             <a:endParaRPr lang="en-US"/>
@@ -864,7 +780,7 @@
           <a:p>
             <a:fld id="{9011C05E-7A93-DA41-8296-607378BACD3D}" type="datetimeFigureOut">
               <a:rPr lang="ru-RU" smtClean="0"/>
-              <a:t>13.02.18</a:t>
+              <a:t>12.04.18</a:t>
             </a:fld>
             <a:endParaRPr lang="ru-RU"/>
           </a:p>
@@ -1034,7 +950,7 @@
           <a:p>
             <a:fld id="{9011C05E-7A93-DA41-8296-607378BACD3D}" type="datetimeFigureOut">
               <a:rPr lang="ru-RU" smtClean="0"/>
-              <a:t>13.02.18</a:t>
+              <a:t>12.04.18</a:t>
             </a:fld>
             <a:endParaRPr lang="ru-RU"/>
           </a:p>
@@ -1214,7 +1130,7 @@
           <a:p>
             <a:fld id="{9011C05E-7A93-DA41-8296-607378BACD3D}" type="datetimeFigureOut">
               <a:rPr lang="ru-RU" smtClean="0"/>
-              <a:t>13.02.18</a:t>
+              <a:t>12.04.18</a:t>
             </a:fld>
             <a:endParaRPr lang="ru-RU"/>
           </a:p>
@@ -1384,7 +1300,7 @@
           <a:p>
             <a:fld id="{9011C05E-7A93-DA41-8296-607378BACD3D}" type="datetimeFigureOut">
               <a:rPr lang="ru-RU" smtClean="0"/>
-              <a:t>13.02.18</a:t>
+              <a:t>12.04.18</a:t>
             </a:fld>
             <a:endParaRPr lang="ru-RU"/>
           </a:p>
@@ -1630,7 +1546,7 @@
           <a:p>
             <a:fld id="{9011C05E-7A93-DA41-8296-607378BACD3D}" type="datetimeFigureOut">
               <a:rPr lang="ru-RU" smtClean="0"/>
-              <a:t>13.02.18</a:t>
+              <a:t>12.04.18</a:t>
             </a:fld>
             <a:endParaRPr lang="ru-RU"/>
           </a:p>
@@ -1862,7 +1778,7 @@
           <a:p>
             <a:fld id="{9011C05E-7A93-DA41-8296-607378BACD3D}" type="datetimeFigureOut">
               <a:rPr lang="ru-RU" smtClean="0"/>
-              <a:t>13.02.18</a:t>
+              <a:t>12.04.18</a:t>
             </a:fld>
             <a:endParaRPr lang="ru-RU"/>
           </a:p>
@@ -2229,7 +2145,7 @@
           <a:p>
             <a:fld id="{9011C05E-7A93-DA41-8296-607378BACD3D}" type="datetimeFigureOut">
               <a:rPr lang="ru-RU" smtClean="0"/>
-              <a:t>13.02.18</a:t>
+              <a:t>12.04.18</a:t>
             </a:fld>
             <a:endParaRPr lang="ru-RU"/>
           </a:p>
@@ -2347,7 +2263,7 @@
           <a:p>
             <a:fld id="{9011C05E-7A93-DA41-8296-607378BACD3D}" type="datetimeFigureOut">
               <a:rPr lang="ru-RU" smtClean="0"/>
-              <a:t>13.02.18</a:t>
+              <a:t>12.04.18</a:t>
             </a:fld>
             <a:endParaRPr lang="ru-RU"/>
           </a:p>
@@ -2442,7 +2358,7 @@
           <a:p>
             <a:fld id="{9011C05E-7A93-DA41-8296-607378BACD3D}" type="datetimeFigureOut">
               <a:rPr lang="ru-RU" smtClean="0"/>
-              <a:t>13.02.18</a:t>
+              <a:t>12.04.18</a:t>
             </a:fld>
             <a:endParaRPr lang="ru-RU"/>
           </a:p>
@@ -2719,7 +2635,7 @@
           <a:p>
             <a:fld id="{9011C05E-7A93-DA41-8296-607378BACD3D}" type="datetimeFigureOut">
               <a:rPr lang="ru-RU" smtClean="0"/>
-              <a:t>13.02.18</a:t>
+              <a:t>12.04.18</a:t>
             </a:fld>
             <a:endParaRPr lang="ru-RU"/>
           </a:p>
@@ -2972,7 +2888,7 @@
           <a:p>
             <a:fld id="{9011C05E-7A93-DA41-8296-607378BACD3D}" type="datetimeFigureOut">
               <a:rPr lang="ru-RU" smtClean="0"/>
-              <a:t>13.02.18</a:t>
+              <a:t>12.04.18</a:t>
             </a:fld>
             <a:endParaRPr lang="ru-RU"/>
           </a:p>
@@ -3185,7 +3101,7 @@
           <a:p>
             <a:fld id="{9011C05E-7A93-DA41-8296-607378BACD3D}" type="datetimeFigureOut">
               <a:rPr lang="ru-RU" smtClean="0"/>
-              <a:t>13.02.18</a:t>
+              <a:t>12.04.18</a:t>
             </a:fld>
             <a:endParaRPr lang="ru-RU"/>
           </a:p>
@@ -3610,12 +3526,12 @@
         </p:nvSpPr>
         <p:spPr>
           <a:xfrm>
-            <a:off x="1629015" y="0"/>
-            <a:ext cx="8745071" cy="4087906"/>
-          </a:xfrm>
-        </p:spPr>
-        <p:txBody>
-          <a:bodyPr>
+            <a:off x="1" y="1759526"/>
+            <a:ext cx="12191999" cy="1871179"/>
+          </a:xfrm>
+        </p:spPr>
+        <p:txBody>
+          <a:bodyPr lIns="0" tIns="0" rIns="0" bIns="0">
             <a:normAutofit/>
           </a:bodyPr>
           <a:lstStyle/>
@@ -3625,13 +3541,35 @@
                 <a:solidFill>
                   <a:srgbClr val="6B6B6B"/>
                 </a:solidFill>
+                <a:latin typeface="Museo Sans Cyrl 300" charset="0"/>
+                <a:ea typeface="Museo Sans Cyrl 300" charset="0"/>
+                <a:cs typeface="Museo Sans Cyrl 300" charset="0"/>
+              </a:rPr>
+              <a:t>Отчёт по </a:t>
+            </a:r>
+            <a:r>
+              <a:rPr lang="en-US" dirty="0" smtClean="0">
+                <a:solidFill>
+                  <a:srgbClr val="6B6B6B"/>
+                </a:solidFill>
+                <a:latin typeface="Museo Sans Cyrl 300" charset="0"/>
+                <a:ea typeface="Museo Sans Cyrl 300" charset="0"/>
+                <a:cs typeface="Museo Sans Cyrl 300" charset="0"/>
+              </a:rPr>
+              <a:t>SERM</a:t>
+            </a:r>
+            <a:r>
+              <a:rPr lang="en-US" dirty="0" smtClean="0">
+                <a:solidFill>
+                  <a:srgbClr val="6B6B6B"/>
+                </a:solidFill>
                 <a:latin typeface="Museo Sans Cyrl 100" charset="0"/>
                 <a:ea typeface="Museo Sans Cyrl 100" charset="0"/>
                 <a:cs typeface="Museo Sans Cyrl 100" charset="0"/>
               </a:rPr>
-              <a:t>Отчёт по </a:t>
-            </a:r>
-            <a:r>
+              <a:t/>
+            </a:r>
+            <a:br>
               <a:rPr lang="en-US" dirty="0" smtClean="0">
                 <a:solidFill>
                   <a:srgbClr val="6B6B6B"/>
@@ -3640,68 +3578,47 @@
                 <a:ea typeface="Museo Sans Cyrl 100" charset="0"/>
                 <a:cs typeface="Museo Sans Cyrl 100" charset="0"/>
               </a:rPr>
-              <a:t>SERM</a:t>
-            </a:r>
-            <a:br>
+            </a:br>
+            <a:r>
+              <a:rPr lang="ru-RU" dirty="0" smtClean="0">
+                <a:solidFill>
+                  <a:srgbClr val="6B6B6B"/>
+                </a:solidFill>
+                <a:latin typeface="Museo Sans Cyrl 300" charset="0"/>
+                <a:ea typeface="Museo Sans Cyrl 300" charset="0"/>
+                <a:cs typeface="Museo Sans Cyrl 300" charset="0"/>
+              </a:rPr>
+              <a:t>ЖК </a:t>
+            </a:r>
+            <a:r>
               <a:rPr lang="en-US" dirty="0" smtClean="0">
                 <a:solidFill>
                   <a:srgbClr val="6B6B6B"/>
                 </a:solidFill>
-                <a:latin typeface="Museo Sans Cyrl 100" charset="0"/>
-                <a:ea typeface="Museo Sans Cyrl 100" charset="0"/>
-                <a:cs typeface="Museo Sans Cyrl 100" charset="0"/>
-              </a:rPr>
-            </a:br>
+                <a:latin typeface="Museo Sans Cyrl 300" charset="0"/>
+                <a:ea typeface="Museo Sans Cyrl 300" charset="0"/>
+                <a:cs typeface="Museo Sans Cyrl 300" charset="0"/>
+              </a:rPr>
+              <a:t>“Random”</a:t>
+            </a:r>
             <a:r>
               <a:rPr lang="ru-RU" dirty="0" smtClean="0">
                 <a:solidFill>
                   <a:srgbClr val="6B6B6B"/>
                 </a:solidFill>
-                <a:latin typeface="Museo Sans Cyrl 100" charset="0"/>
-                <a:ea typeface="Museo Sans Cyrl 100" charset="0"/>
-                <a:cs typeface="Museo Sans Cyrl 100" charset="0"/>
-              </a:rPr>
-              <a:t>ЖК </a:t>
-            </a:r>
-            <a:r>
-              <a:rPr lang="en-US" dirty="0" smtClean="0">
-                <a:solidFill>
-                  <a:srgbClr val="6B6B6B"/>
-                </a:solidFill>
-                <a:latin typeface="Museo Sans Cyrl 100" charset="0"/>
-                <a:ea typeface="Museo Sans Cyrl 100" charset="0"/>
-                <a:cs typeface="Museo Sans Cyrl 100" charset="0"/>
-              </a:rPr>
-              <a:t>“Random”</a:t>
-            </a:r>
-            <a:r>
-              <a:rPr lang="ru-RU" dirty="0" smtClean="0">
-                <a:solidFill>
-                  <a:srgbClr val="6B6B6B"/>
-                </a:solidFill>
-                <a:latin typeface="Museo Sans Cyrl 100" charset="0"/>
-                <a:ea typeface="Museo Sans Cyrl 100" charset="0"/>
-                <a:cs typeface="Museo Sans Cyrl 100" charset="0"/>
+                <a:latin typeface="Museo Sans Cyrl 300" charset="0"/>
+                <a:ea typeface="Museo Sans Cyrl 300" charset="0"/>
+                <a:cs typeface="Museo Sans Cyrl 300" charset="0"/>
               </a:rPr>
               <a:t>  </a:t>
             </a:r>
-            <a:br>
-              <a:rPr lang="ru-RU" dirty="0" smtClean="0">
-                <a:solidFill>
-                  <a:srgbClr val="6B6B6B"/>
-                </a:solidFill>
-                <a:latin typeface="Museo Sans Cyrl 100" charset="0"/>
-                <a:ea typeface="Museo Sans Cyrl 100" charset="0"/>
-                <a:cs typeface="Museo Sans Cyrl 100" charset="0"/>
-              </a:rPr>
-            </a:br>
             <a:endParaRPr lang="ru-RU" dirty="0">
               <a:solidFill>
                 <a:srgbClr val="6B6B6B"/>
               </a:solidFill>
-              <a:latin typeface="Museo Sans Cyrl 100" charset="0"/>
-              <a:ea typeface="Museo Sans Cyrl 100" charset="0"/>
-              <a:cs typeface="Museo Sans Cyrl 100" charset="0"/>
+              <a:latin typeface="Museo Sans Cyrl 300" charset="0"/>
+              <a:ea typeface="Museo Sans Cyrl 300" charset="0"/>
+              <a:cs typeface="Museo Sans Cyrl 300" charset="0"/>
             </a:endParaRPr>
           </a:p>
         </p:txBody>
@@ -3718,12 +3635,12 @@
         </p:nvSpPr>
         <p:spPr>
           <a:xfrm>
-            <a:off x="1129232" y="4271041"/>
-            <a:ext cx="9744635" cy="1385047"/>
-          </a:xfrm>
-        </p:spPr>
-        <p:txBody>
-          <a:bodyPr>
+            <a:off x="0" y="4271041"/>
+            <a:ext cx="12192000" cy="1385047"/>
+          </a:xfrm>
+        </p:spPr>
+        <p:txBody>
+          <a:bodyPr lIns="0" tIns="0" rIns="0" bIns="0">
             <a:normAutofit/>
           </a:bodyPr>
           <a:lstStyle/>
@@ -3760,6 +3677,13 @@
   <p:clrMapOvr>
     <a:masterClrMapping/>
   </p:clrMapOvr>
+  <p:timing>
+    <p:tnLst>
+      <p:par>
+        <p:cTn id="1" dur="indefinite" restart="never" nodeType="tmRoot"/>
+      </p:par>
+    </p:tnLst>
+  </p:timing>
 </p:sld>
 </file>
 
@@ -3790,59 +3714,6 @@
       </p:grpSpPr>
       <p:sp>
         <p:nvSpPr>
-          <p:cNvPr id="2" name="Заголовок 1"/>
-          <p:cNvSpPr>
-            <a:spLocks noGrp="1"/>
-          </p:cNvSpPr>
-          <p:nvPr>
-            <p:ph type="title"/>
-          </p:nvPr>
-        </p:nvSpPr>
-        <p:spPr>
-          <a:xfrm>
-            <a:off x="620242" y="605317"/>
-            <a:ext cx="11618257" cy="591671"/>
-          </a:xfrm>
-        </p:spPr>
-        <p:txBody>
-          <a:bodyPr>
-            <a:normAutofit fontScale="90000"/>
-          </a:bodyPr>
-          <a:lstStyle/>
-          <a:p>
-            <a:r>
-              <a:rPr lang="ru-RU" sz="3600" b="1" dirty="0">
-                <a:solidFill>
-                  <a:srgbClr val="6B6B6B"/>
-                </a:solidFill>
-              </a:rPr>
-              <a:t>ИЗМЕНЕНИЕ ИНФОРМАЦИОННОГО ПОЛЯ НА НАЧАЛО МЕСЯЦА</a:t>
-            </a:r>
-            <a:r>
-              <a:rPr lang="ru-RU" dirty="0">
-                <a:solidFill>
-                  <a:srgbClr val="6B6B6B"/>
-                </a:solidFill>
-              </a:rPr>
-              <a:t/>
-            </a:r>
-            <a:br>
-              <a:rPr lang="ru-RU" dirty="0">
-                <a:solidFill>
-                  <a:srgbClr val="6B6B6B"/>
-                </a:solidFill>
-              </a:rPr>
-            </a:br>
-            <a:endParaRPr lang="ru-RU" dirty="0">
-              <a:solidFill>
-                <a:srgbClr val="6B6B6B"/>
-              </a:solidFill>
-            </a:endParaRPr>
-          </a:p>
-        </p:txBody>
-      </p:sp>
-      <p:sp>
-        <p:nvSpPr>
           <p:cNvPr id="3" name="Объект 2"/>
           <p:cNvSpPr>
             <a:spLocks noGrp="1"/>
@@ -4201,6 +4072,62 @@
           </a:prstGeom>
         </p:spPr>
       </p:pic>
+      <p:sp>
+        <p:nvSpPr>
+          <p:cNvPr id="13" name="Заголовок 1"/>
+          <p:cNvSpPr>
+            <a:spLocks noGrp="1"/>
+          </p:cNvSpPr>
+          <p:nvPr>
+            <p:ph type="title"/>
+          </p:nvPr>
+        </p:nvSpPr>
+        <p:spPr>
+          <a:xfrm>
+            <a:off x="1" y="218137"/>
+            <a:ext cx="12192000" cy="591671"/>
+          </a:xfrm>
+        </p:spPr>
+        <p:txBody>
+          <a:bodyPr lIns="0">
+            <a:normAutofit fontScale="90000"/>
+          </a:bodyPr>
+          <a:lstStyle/>
+          <a:p>
+            <a:pPr algn="ctr"/>
+            <a:r>
+              <a:rPr lang="ru-RU" sz="2800" dirty="0">
+                <a:solidFill>
+                  <a:srgbClr val="6B6B6B"/>
+                </a:solidFill>
+                <a:latin typeface="Museo Sans Cyrl 500" charset="0"/>
+                <a:ea typeface="Museo Sans Cyrl 500" charset="0"/>
+                <a:cs typeface="Museo Sans Cyrl 500" charset="0"/>
+              </a:rPr>
+              <a:t>ИЗМЕНЕНИЕ ИНФОРМАЦИОННОГО ПОЛЯ НА </a:t>
+            </a:r>
+            <a:r>
+              <a:rPr lang="ru-RU" sz="2800" dirty="0" smtClean="0">
+                <a:solidFill>
+                  <a:srgbClr val="6B6B6B"/>
+                </a:solidFill>
+                <a:latin typeface="Museo Sans Cyrl 500" charset="0"/>
+                <a:ea typeface="Museo Sans Cyrl 500" charset="0"/>
+                <a:cs typeface="Museo Sans Cyrl 500" charset="0"/>
+              </a:rPr>
+              <a:t>ЧЕТВЁРТУЮ НЕДЕЛЮ МЕСЯЦА</a:t>
+            </a:r>
+            <a:endParaRPr lang="ru-RU" sz="2800" dirty="0">
+              <a:solidFill>
+                <a:srgbClr val="6B6B6B"/>
+              </a:solidFill>
+              <a:latin typeface="Museo Sans Cyrl 500" charset="0"/>
+              <a:ea typeface="Museo Sans Cyrl 500" charset="0"/>
+              <a:cs typeface="Museo Sans Cyrl 500" charset="0"/>
+            </a:endParaRPr>
+          </a:p>
+        </p:txBody>
+      </p:sp>
     </p:spTree>
     <p:extLst>
       <p:ext uri="{BB962C8B-B14F-4D97-AF65-F5344CB8AC3E}">
@@ -4211,6 +4138,13 @@
   <p:clrMapOvr>
     <a:masterClrMapping/>
   </p:clrMapOvr>
+  <p:timing>
+    <p:tnLst>
+      <p:par>
+        <p:cTn id="1" dur="indefinite" restart="never" nodeType="tmRoot"/>
+      </p:par>
+    </p:tnLst>
+  </p:timing>
 </p:sld>
 </file>
 
@@ -4251,37 +4185,36 @@
         </p:nvSpPr>
         <p:spPr>
           <a:xfrm>
-            <a:off x="2443067" y="694294"/>
-            <a:ext cx="7710649" cy="1147790"/>
-          </a:xfrm>
-        </p:spPr>
-        <p:txBody>
-          <a:bodyPr>
+            <a:off x="0" y="528040"/>
+            <a:ext cx="12192000" cy="1147790"/>
+          </a:xfrm>
+        </p:spPr>
+        <p:txBody>
+          <a:bodyPr lIns="0" tIns="0" rIns="0" bIns="0">
             <a:normAutofit fontScale="90000"/>
           </a:bodyPr>
           <a:lstStyle/>
           <a:p>
-            <a:r>
-              <a:rPr lang="ru-RU" sz="4800" b="1" dirty="0" smtClean="0">
-                <a:solidFill>
-                  <a:srgbClr val="6B6B6B"/>
-                </a:solidFill>
+            <a:pPr algn="ctr"/>
+            <a:r>
+              <a:rPr lang="ru-RU" sz="4800" dirty="0" smtClean="0">
+                <a:solidFill>
+                  <a:srgbClr val="6B6B6B"/>
+                </a:solidFill>
+                <a:latin typeface="Museo Sans Cyrl 300" charset="0"/>
+                <a:ea typeface="Museo Sans Cyrl 300" charset="0"/>
+                <a:cs typeface="Museo Sans Cyrl 300" charset="0"/>
               </a:rPr>
               <a:t>КОММЕНТАРИИ СПЕЦИАЛИСТА</a:t>
-            </a:r>
-            <a:r>
-              <a:rPr lang="ru-RU" sz="4800" dirty="0" smtClean="0">
-                <a:solidFill>
-                  <a:srgbClr val="6B6B6B"/>
-                </a:solidFill>
-              </a:rPr>
-              <a:t/>
             </a:r>
             <a:br>
               <a:rPr lang="ru-RU" sz="4800" dirty="0" smtClean="0">
                 <a:solidFill>
                   <a:srgbClr val="6B6B6B"/>
                 </a:solidFill>
+                <a:latin typeface="Museo Sans Cyrl 300" charset="0"/>
+                <a:ea typeface="Museo Sans Cyrl 300" charset="0"/>
+                <a:cs typeface="Museo Sans Cyrl 300" charset="0"/>
               </a:rPr>
             </a:br>
             <a:r>
@@ -4289,36 +4222,19 @@
                 <a:solidFill>
                   <a:srgbClr val="6B6B6B"/>
                 </a:solidFill>
-              </a:rPr>
-              <a:t>         </a:t>
-            </a:r>
-            <a:r>
-              <a:rPr lang="ru-RU" sz="4800" b="1" dirty="0" smtClean="0">
-                <a:solidFill>
-                  <a:srgbClr val="6B6B6B"/>
-                </a:solidFill>
-              </a:rPr>
-              <a:t>об отчетном месяце</a:t>
-            </a:r>
-            <a:r>
-              <a:rPr lang="ru-RU" dirty="0" smtClean="0">
-                <a:solidFill>
-                  <a:srgbClr val="6B6B6B"/>
-                </a:solidFill>
-              </a:rPr>
-              <a:t/>
-            </a:r>
-            <a:br>
-              <a:rPr lang="ru-RU" dirty="0" smtClean="0">
-                <a:solidFill>
-                  <a:srgbClr val="6B6B6B"/>
-                </a:solidFill>
-              </a:rPr>
-            </a:br>
+                <a:latin typeface="Museo Sans Cyrl 300" charset="0"/>
+                <a:ea typeface="Museo Sans Cyrl 300" charset="0"/>
+                <a:cs typeface="Museo Sans Cyrl 300" charset="0"/>
+              </a:rPr>
+              <a:t>         об отчетном месяце</a:t>
+            </a:r>
             <a:endParaRPr lang="ru-RU" dirty="0">
               <a:solidFill>
                 <a:srgbClr val="6B6B6B"/>
               </a:solidFill>
+              <a:latin typeface="Museo Sans Cyrl 300" charset="0"/>
+              <a:ea typeface="Museo Sans Cyrl 300" charset="0"/>
+              <a:cs typeface="Museo Sans Cyrl 300" charset="0"/>
             </a:endParaRPr>
           </a:p>
         </p:txBody>
@@ -4335,13 +4251,13 @@
         </p:nvSpPr>
         <p:spPr>
           <a:xfrm>
-            <a:off x="639902" y="1878179"/>
-            <a:ext cx="10894423" cy="4583875"/>
-          </a:xfrm>
-        </p:spPr>
-        <p:txBody>
-          <a:bodyPr>
-            <a:normAutofit fontScale="85000" lnSpcReduction="20000"/>
+            <a:off x="0" y="2182980"/>
+            <a:ext cx="12192000" cy="4148548"/>
+          </a:xfrm>
+        </p:spPr>
+        <p:txBody>
+          <a:bodyPr lIns="720000" rIns="720000">
+            <a:normAutofit fontScale="77500" lnSpcReduction="20000"/>
           </a:bodyPr>
           <a:lstStyle/>
           <a:p>
@@ -4353,6 +4269,9 @@
                 <a:solidFill>
                   <a:srgbClr val="6B6B6B"/>
                 </a:solidFill>
+                <a:latin typeface="Museo Sans Cyrl 100" charset="0"/>
+                <a:ea typeface="Museo Sans Cyrl 100" charset="0"/>
+                <a:cs typeface="Museo Sans Cyrl 100" charset="0"/>
               </a:rPr>
               <a:t>За этот отчётный месяц поднимался данный список тем:</a:t>
             </a:r>
@@ -4365,82 +4284,112 @@
               <a:solidFill>
                 <a:srgbClr val="6B6B6B"/>
               </a:solidFill>
+              <a:latin typeface="Museo Sans Cyrl 100" charset="0"/>
+              <a:ea typeface="Museo Sans Cyrl 100" charset="0"/>
+              <a:cs typeface="Museo Sans Cyrl 100" charset="0"/>
             </a:endParaRPr>
           </a:p>
           <a:p>
             <a:r>
-              <a:rPr lang="bg-BG" b="1" dirty="0" smtClean="0">
-                <a:solidFill>
-                  <a:srgbClr val="6B6B6B"/>
-                </a:solidFill>
+              <a:rPr lang="bg-BG" dirty="0" smtClean="0">
+                <a:solidFill>
+                  <a:srgbClr val="6B6B6B"/>
+                </a:solidFill>
+                <a:latin typeface="Museo Sans Cyrl 100" charset="0"/>
+                <a:ea typeface="Museo Sans Cyrl 100" charset="0"/>
+                <a:cs typeface="Museo Sans Cyrl 100" charset="0"/>
               </a:rPr>
               <a:t>Работа с возражениями</a:t>
             </a:r>
           </a:p>
           <a:p>
-            <a:endParaRPr lang="bg-BG" b="1" dirty="0" smtClean="0">
+            <a:endParaRPr lang="bg-BG" dirty="0" smtClean="0">
               <a:solidFill>
                 <a:srgbClr val="6B6B6B"/>
               </a:solidFill>
+              <a:latin typeface="Museo Sans Cyrl 100" charset="0"/>
+              <a:ea typeface="Museo Sans Cyrl 100" charset="0"/>
+              <a:cs typeface="Museo Sans Cyrl 100" charset="0"/>
             </a:endParaRPr>
           </a:p>
           <a:p>
             <a:r>
-              <a:rPr lang="ru-RU" b="1" dirty="0" smtClean="0">
-                <a:solidFill>
-                  <a:srgbClr val="6B6B6B"/>
-                </a:solidFill>
+              <a:rPr lang="ru-RU" dirty="0" smtClean="0">
+                <a:solidFill>
+                  <a:srgbClr val="6B6B6B"/>
+                </a:solidFill>
+                <a:latin typeface="Museo Sans Cyrl 100" charset="0"/>
+                <a:ea typeface="Museo Sans Cyrl 100" charset="0"/>
+                <a:cs typeface="Museo Sans Cyrl 100" charset="0"/>
               </a:rPr>
               <a:t>Темпы строительства</a:t>
             </a:r>
           </a:p>
           <a:p>
-            <a:endParaRPr lang="ru-RU" b="1" dirty="0" smtClean="0">
+            <a:endParaRPr lang="ru-RU" dirty="0" smtClean="0">
               <a:solidFill>
                 <a:srgbClr val="6B6B6B"/>
               </a:solidFill>
+              <a:latin typeface="Museo Sans Cyrl 100" charset="0"/>
+              <a:ea typeface="Museo Sans Cyrl 100" charset="0"/>
+              <a:cs typeface="Museo Sans Cyrl 100" charset="0"/>
             </a:endParaRPr>
           </a:p>
           <a:p>
             <a:r>
-              <a:rPr lang="ru-RU" b="1" dirty="0" smtClean="0">
-                <a:solidFill>
-                  <a:srgbClr val="6B6B6B"/>
-                </a:solidFill>
+              <a:rPr lang="ru-RU" dirty="0" smtClean="0">
+                <a:solidFill>
+                  <a:srgbClr val="6B6B6B"/>
+                </a:solidFill>
+                <a:latin typeface="Museo Sans Cyrl 100" charset="0"/>
+                <a:ea typeface="Museo Sans Cyrl 100" charset="0"/>
+                <a:cs typeface="Museo Sans Cyrl 100" charset="0"/>
               </a:rPr>
               <a:t>Положительные отзывы</a:t>
             </a:r>
           </a:p>
           <a:p>
-            <a:endParaRPr lang="ru-RU" b="1" dirty="0" smtClean="0">
+            <a:endParaRPr lang="ru-RU" dirty="0" smtClean="0">
               <a:solidFill>
                 <a:srgbClr val="6B6B6B"/>
               </a:solidFill>
+              <a:latin typeface="Museo Sans Cyrl 100" charset="0"/>
+              <a:ea typeface="Museo Sans Cyrl 100" charset="0"/>
+              <a:cs typeface="Museo Sans Cyrl 100" charset="0"/>
             </a:endParaRPr>
           </a:p>
           <a:p>
             <a:r>
-              <a:rPr lang="ru-RU" b="1" dirty="0" smtClean="0">
-                <a:solidFill>
-                  <a:srgbClr val="6B6B6B"/>
-                </a:solidFill>
+              <a:rPr lang="ru-RU" dirty="0" smtClean="0">
+                <a:solidFill>
+                  <a:srgbClr val="6B6B6B"/>
+                </a:solidFill>
+                <a:latin typeface="Museo Sans Cyrl 100" charset="0"/>
+                <a:ea typeface="Museo Sans Cyrl 100" charset="0"/>
+                <a:cs typeface="Museo Sans Cyrl 100" charset="0"/>
               </a:rPr>
               <a:t>Какая-нибудь важная тема</a:t>
             </a:r>
           </a:p>
           <a:p>
-            <a:endParaRPr lang="ru-RU" b="1" dirty="0" smtClean="0">
+            <a:endParaRPr lang="ru-RU" dirty="0" smtClean="0">
               <a:solidFill>
                 <a:srgbClr val="6B6B6B"/>
               </a:solidFill>
+              <a:latin typeface="Museo Sans Cyrl 100" charset="0"/>
+              <a:ea typeface="Museo Sans Cyrl 100" charset="0"/>
+              <a:cs typeface="Museo Sans Cyrl 100" charset="0"/>
             </a:endParaRPr>
           </a:p>
           <a:p>
             <a:r>
-              <a:rPr lang="ru-RU" b="1" dirty="0" smtClean="0">
-                <a:solidFill>
-                  <a:srgbClr val="6B6B6B"/>
-                </a:solidFill>
+              <a:rPr lang="ru-RU" dirty="0" smtClean="0">
+                <a:solidFill>
+                  <a:srgbClr val="6B6B6B"/>
+                </a:solidFill>
+                <a:latin typeface="Museo Sans Cyrl 100" charset="0"/>
+                <a:ea typeface="Museo Sans Cyrl 100" charset="0"/>
+                <a:cs typeface="Museo Sans Cyrl 100" charset="0"/>
               </a:rPr>
               <a:t>Актуальная тема </a:t>
             </a:r>
@@ -4456,6 +4405,9 @@
             </a:endParaRPr>
           </a:p>
           <a:p>
+            <a:pPr marL="0" indent="0">
+              <a:buNone/>
+            </a:pPr>
             <a:endParaRPr lang="bg-BG" dirty="0">
               <a:solidFill>
                 <a:srgbClr val="6B6B6B"/>
@@ -4474,6 +4426,13 @@
   <p:clrMapOvr>
     <a:masterClrMapping/>
   </p:clrMapOvr>
+  <p:timing>
+    <p:tnLst>
+      <p:par>
+        <p:cTn id="1" dur="indefinite" restart="never" nodeType="tmRoot"/>
+      </p:par>
+    </p:tnLst>
+  </p:timing>
 </p:sld>
 </file>
 
@@ -4514,28 +4473,35 @@
         </p:nvSpPr>
         <p:spPr>
           <a:xfrm>
-            <a:off x="4713800" y="200002"/>
-            <a:ext cx="3909652" cy="456243"/>
-          </a:xfrm>
-        </p:spPr>
-        <p:txBody>
-          <a:bodyPr>
-            <a:normAutofit fontScale="90000"/>
+            <a:off x="0" y="-18674"/>
+            <a:ext cx="12192001" cy="1090786"/>
+          </a:xfrm>
+        </p:spPr>
+        <p:txBody>
+          <a:bodyPr lIns="0" tIns="0" rIns="0" bIns="0">
+            <a:normAutofit/>
           </a:bodyPr>
           <a:lstStyle/>
           <a:p>
-            <a:r>
-              <a:rPr lang="ru-RU" sz="2800" b="1" dirty="0" smtClean="0">
-                <a:solidFill>
-                  <a:srgbClr val="6B6B6B"/>
-                </a:solidFill>
+            <a:pPr algn="ctr"/>
+            <a:r>
+              <a:rPr lang="ru-RU" sz="2800" dirty="0" smtClean="0">
+                <a:solidFill>
+                  <a:srgbClr val="6B6B6B"/>
+                </a:solidFill>
+                <a:latin typeface="Museo Sans Cyrl 500" charset="0"/>
+                <a:ea typeface="Museo Sans Cyrl 500" charset="0"/>
+                <a:cs typeface="Museo Sans Cyrl 500" charset="0"/>
               </a:rPr>
               <a:t>Ход строительства</a:t>
             </a:r>
-            <a:endParaRPr lang="ru-RU" sz="2800" b="1" dirty="0">
+            <a:endParaRPr lang="ru-RU" sz="2800" dirty="0">
               <a:solidFill>
                 <a:srgbClr val="6B6B6B"/>
               </a:solidFill>
+              <a:latin typeface="Museo Sans Cyrl 500" charset="0"/>
+              <a:ea typeface="Museo Sans Cyrl 500" charset="0"/>
+              <a:cs typeface="Museo Sans Cyrl 500" charset="0"/>
             </a:endParaRPr>
           </a:p>
         </p:txBody>
@@ -4550,16 +4516,16 @@
         </p:nvSpPr>
         <p:spPr>
           <a:xfrm>
-            <a:off x="4572655" y="808702"/>
-            <a:ext cx="2924240" cy="570017"/>
+            <a:off x="1" y="1072112"/>
+            <a:ext cx="12192000" cy="582324"/>
           </a:xfrm>
           <a:prstGeom prst="rect">
             <a:avLst/>
           </a:prstGeom>
         </p:spPr>
         <p:txBody>
-          <a:bodyPr vert="horz" lIns="91440" tIns="45720" rIns="91440" bIns="45720" rtlCol="0" anchor="ctr">
-            <a:normAutofit lnSpcReduction="10000"/>
+          <a:bodyPr vert="horz" lIns="0" tIns="0" rIns="0" bIns="0" rtlCol="0" anchor="ctr">
+            <a:normAutofit/>
           </a:bodyPr>
           <a:lstStyle>
             <a:lvl1pPr algn="l" defTabSz="914400" rtl="0" eaLnBrk="1" latinLnBrk="0" hangingPunct="1">
@@ -4581,18 +4547,25 @@
             </a:lvl1pPr>
           </a:lstStyle>
           <a:p>
-            <a:r>
-              <a:rPr lang="ru-RU" sz="3600" b="1" dirty="0" smtClean="0">
-                <a:solidFill>
-                  <a:srgbClr val="6B6B6B"/>
-                </a:solidFill>
+            <a:pPr algn="ctr"/>
+            <a:r>
+              <a:rPr lang="ru-RU" sz="2800" dirty="0" smtClean="0">
+                <a:solidFill>
+                  <a:srgbClr val="6B6B6B"/>
+                </a:solidFill>
+                <a:latin typeface="Museo Sans Cyrl 100" charset="0"/>
+                <a:ea typeface="Museo Sans Cyrl 100" charset="0"/>
+                <a:cs typeface="Museo Sans Cyrl 100" charset="0"/>
               </a:rPr>
               <a:t>Пример кейса</a:t>
             </a:r>
-            <a:endParaRPr lang="ru-RU" sz="3600" b="1" dirty="0">
+            <a:endParaRPr lang="ru-RU" sz="2800" dirty="0">
               <a:solidFill>
                 <a:srgbClr val="6B6B6B"/>
               </a:solidFill>
+              <a:latin typeface="Museo Sans Cyrl 100" charset="0"/>
+              <a:ea typeface="Museo Sans Cyrl 100" charset="0"/>
+              <a:cs typeface="Museo Sans Cyrl 100" charset="0"/>
             </a:endParaRPr>
           </a:p>
         </p:txBody>
@@ -4679,8 +4652,38 @@
         </p:blipFill>
         <p:spPr>
           <a:xfrm>
-            <a:off x="6148928" y="1854869"/>
+            <a:off x="6232055" y="1858210"/>
             <a:ext cx="5566334" cy="1763295"/>
+          </a:xfrm>
+          <a:prstGeom prst="rect">
+            <a:avLst/>
+          </a:prstGeom>
+        </p:spPr>
+      </p:pic>
+      <p:pic>
+        <p:nvPicPr>
+          <p:cNvPr id="7" name="Picture 6"/>
+          <p:cNvPicPr>
+            <a:picLocks noChangeAspect="1"/>
+          </p:cNvPicPr>
+          <p:nvPr/>
+        </p:nvPicPr>
+        <p:blipFill>
+          <a:blip r:embed="rId2">
+            <a:extLst>
+              <a:ext uri="{28A0092B-C50C-407E-A947-70E740481C1C}">
+                <a14:useLocalDpi xmlns:a14="http://schemas.microsoft.com/office/drawing/2010/main" val="0"/>
+              </a:ext>
+            </a:extLst>
+          </a:blip>
+          <a:stretch>
+            <a:fillRect/>
+          </a:stretch>
+        </p:blipFill>
+        <p:spPr>
+          <a:xfrm>
+            <a:off x="1890928" y="3825279"/>
+            <a:ext cx="8410142" cy="2664153"/>
           </a:xfrm>
           <a:prstGeom prst="rect">
             <a:avLst/>
@@ -4697,6 +4700,13 @@
   <p:clrMapOvr>
     <a:masterClrMapping/>
   </p:clrMapOvr>
+  <p:timing>
+    <p:tnLst>
+      <p:par>
+        <p:cTn id="1" dur="indefinite" restart="never" nodeType="tmRoot"/>
+      </p:par>
+    </p:tnLst>
+  </p:timing>
 </p:sld>
 </file>
 
@@ -4737,75 +4747,136 @@
         </p:nvSpPr>
         <p:spPr>
           <a:xfrm>
-            <a:off x="4614328" y="1015141"/>
-            <a:ext cx="3252651" cy="536759"/>
-          </a:xfrm>
-        </p:spPr>
-        <p:txBody>
-          <a:bodyPr>
+            <a:off x="0" y="-18674"/>
+            <a:ext cx="12192001" cy="1090786"/>
+          </a:xfrm>
+        </p:spPr>
+        <p:txBody>
+          <a:bodyPr lIns="0" tIns="0" rIns="0" bIns="0">
             <a:normAutofit/>
           </a:bodyPr>
           <a:lstStyle/>
           <a:p>
-            <a:r>
-              <a:rPr lang="ru-RU" sz="3200" b="1" dirty="0" smtClean="0">
-                <a:solidFill>
-                  <a:srgbClr val="6B6B6B"/>
-                </a:solidFill>
-              </a:rPr>
-              <a:t>Пример кейса</a:t>
-            </a:r>
-            <a:endParaRPr lang="ru-RU" sz="3200" b="1" dirty="0">
+            <a:pPr algn="ctr"/>
+            <a:r>
+              <a:rPr lang="ru-RU" sz="2800" dirty="0" smtClean="0">
+                <a:solidFill>
+                  <a:srgbClr val="6B6B6B"/>
+                </a:solidFill>
+                <a:latin typeface="Museo Sans Cyrl 300" charset="0"/>
+                <a:ea typeface="Museo Sans Cyrl 300" charset="0"/>
+                <a:cs typeface="Museo Sans Cyrl 300" charset="0"/>
+              </a:rPr>
+              <a:t>Ввод в эксплуатацию и выдача ключей</a:t>
+            </a:r>
+            <a:endParaRPr lang="ru-RU" sz="2800" dirty="0">
               <a:solidFill>
                 <a:srgbClr val="6B6B6B"/>
               </a:solidFill>
+              <a:latin typeface="Museo Sans Cyrl 300" charset="0"/>
+              <a:ea typeface="Museo Sans Cyrl 300" charset="0"/>
+              <a:cs typeface="Museo Sans Cyrl 300" charset="0"/>
             </a:endParaRPr>
           </a:p>
         </p:txBody>
       </p:sp>
       <p:sp>
         <p:nvSpPr>
-          <p:cNvPr id="4" name="TextBox 3"/>
-          <p:cNvSpPr txBox="1"/>
+          <p:cNvPr id="6" name="Заголовок 1"/>
+          <p:cNvSpPr txBox="1">
+            <a:spLocks/>
+          </p:cNvSpPr>
           <p:nvPr/>
         </p:nvSpPr>
         <p:spPr>
           <a:xfrm>
-            <a:off x="3404086" y="331104"/>
-            <a:ext cx="5265352" cy="755452"/>
+            <a:off x="1" y="1072112"/>
+            <a:ext cx="12192000" cy="582324"/>
           </a:xfrm>
           <a:prstGeom prst="rect">
             <a:avLst/>
           </a:prstGeom>
-          <a:noFill/>
-        </p:spPr>
-        <p:txBody>
-          <a:bodyPr wrap="none" rtlCol="0">
-            <a:spAutoFit/>
+        </p:spPr>
+        <p:txBody>
+          <a:bodyPr vert="horz" lIns="0" tIns="0" rIns="0" bIns="0" rtlCol="0" anchor="ctr">
+            <a:normAutofit/>
           </a:bodyPr>
-          <a:lstStyle/>
-          <a:p>
-            <a:r>
-              <a:rPr lang="ru-RU" sz="2400" dirty="0" smtClean="0">
-                <a:solidFill>
-                  <a:srgbClr val="6B6B6B"/>
-                </a:solidFill>
-              </a:rPr>
-              <a:t>Ввод в эксплуатацию и выдача ключей</a:t>
-            </a:r>
-          </a:p>
-          <a:p>
-            <a:endParaRPr lang="en-US" sz="2400" dirty="0">
+          <a:lstStyle>
+            <a:lvl1pPr algn="l" defTabSz="914400" rtl="0" eaLnBrk="1" latinLnBrk="0" hangingPunct="1">
+              <a:lnSpc>
+                <a:spcPct val="90000"/>
+              </a:lnSpc>
+              <a:spcBef>
+                <a:spcPct val="0"/>
+              </a:spcBef>
+              <a:buNone/>
+              <a:defRPr sz="4400" kern="1200">
+                <a:solidFill>
+                  <a:schemeClr val="tx1"/>
+                </a:solidFill>
+                <a:latin typeface="+mj-lt"/>
+                <a:ea typeface="+mj-ea"/>
+                <a:cs typeface="+mj-cs"/>
+              </a:defRPr>
+            </a:lvl1pPr>
+          </a:lstStyle>
+          <a:p>
+            <a:pPr algn="ctr"/>
+            <a:r>
+              <a:rPr lang="ru-RU" sz="2800" dirty="0" smtClean="0">
+                <a:solidFill>
+                  <a:srgbClr val="6B6B6B"/>
+                </a:solidFill>
+                <a:latin typeface="Museo Sans Cyrl 100" charset="0"/>
+                <a:ea typeface="Museo Sans Cyrl 100" charset="0"/>
+                <a:cs typeface="Museo Sans Cyrl 100" charset="0"/>
+              </a:rPr>
+              <a:t>Пример кейса</a:t>
+            </a:r>
+            <a:endParaRPr lang="ru-RU" sz="2800" dirty="0">
               <a:solidFill>
                 <a:srgbClr val="6B6B6B"/>
               </a:solidFill>
+              <a:latin typeface="Museo Sans Cyrl 100" charset="0"/>
+              <a:ea typeface="Museo Sans Cyrl 100" charset="0"/>
+              <a:cs typeface="Museo Sans Cyrl 100" charset="0"/>
             </a:endParaRPr>
           </a:p>
         </p:txBody>
       </p:sp>
       <p:pic>
         <p:nvPicPr>
-          <p:cNvPr id="6" name="Picture 5"/>
+          <p:cNvPr id="8" name="Picture 7"/>
+          <p:cNvPicPr>
+            <a:picLocks noChangeAspect="1"/>
+          </p:cNvPicPr>
+          <p:nvPr/>
+        </p:nvPicPr>
+        <p:blipFill>
+          <a:blip r:embed="rId2">
+            <a:extLst>
+              <a:ext uri="{28A0092B-C50C-407E-A947-70E740481C1C}">
+                <a14:useLocalDpi xmlns:a14="http://schemas.microsoft.com/office/drawing/2010/main" val="0"/>
+              </a:ext>
+            </a:extLst>
+          </a:blip>
+          <a:stretch>
+            <a:fillRect/>
+          </a:stretch>
+        </p:blipFill>
+        <p:spPr>
+          <a:xfrm>
+            <a:off x="1997846" y="4379322"/>
+            <a:ext cx="8073859" cy="1763295"/>
+          </a:xfrm>
+          <a:prstGeom prst="rect">
+            <a:avLst/>
+          </a:prstGeom>
+        </p:spPr>
+      </p:pic>
+      <p:pic>
+        <p:nvPicPr>
+          <p:cNvPr id="10" name="Picture 9"/>
           <p:cNvPicPr>
             <a:picLocks noChangeAspect="1"/>
           </p:cNvPicPr>
@@ -4855,8 +4926,8 @@
         </p:blipFill>
         <p:spPr>
           <a:xfrm>
-            <a:off x="1831691" y="3811424"/>
-            <a:ext cx="8410142" cy="2664153"/>
+            <a:off x="6232055" y="1858210"/>
+            <a:ext cx="5566334" cy="1763295"/>
           </a:xfrm>
           <a:prstGeom prst="rect">
             <a:avLst/>
@@ -4865,7 +4936,7 @@
       </p:pic>
       <p:pic>
         <p:nvPicPr>
-          <p:cNvPr id="12" name="Picture 11"/>
+          <p:cNvPr id="7" name="Picture 6"/>
           <p:cNvPicPr>
             <a:picLocks noChangeAspect="1"/>
           </p:cNvPicPr>
@@ -4885,8 +4956,8 @@
         </p:blipFill>
         <p:spPr>
           <a:xfrm>
-            <a:off x="6240654" y="1858210"/>
-            <a:ext cx="5566334" cy="1763295"/>
+            <a:off x="1890928" y="3825279"/>
+            <a:ext cx="8410142" cy="2664153"/>
           </a:xfrm>
           <a:prstGeom prst="rect">
             <a:avLst/>
@@ -4896,13 +4967,20 @@
     </p:spTree>
     <p:extLst>
       <p:ext uri="{BB962C8B-B14F-4D97-AF65-F5344CB8AC3E}">
-        <p14:creationId xmlns:p14="http://schemas.microsoft.com/office/powerpoint/2010/main" val="1134627633"/>
+        <p14:creationId xmlns:p14="http://schemas.microsoft.com/office/powerpoint/2010/main" val="772708193"/>
       </p:ext>
     </p:extLst>
   </p:cSld>
   <p:clrMapOvr>
     <a:masterClrMapping/>
   </p:clrMapOvr>
+  <p:timing>
+    <p:tnLst>
+      <p:par>
+        <p:cTn id="1" dur="indefinite" restart="never" nodeType="tmRoot"/>
+      </p:par>
+    </p:tnLst>
+  </p:timing>
 </p:sld>
 </file>
 
@@ -4933,7 +5011,7 @@
       </p:grpSpPr>
       <p:sp>
         <p:nvSpPr>
-          <p:cNvPr id="10" name="Заголовок 9"/>
+          <p:cNvPr id="2" name="Заголовок 1"/>
           <p:cNvSpPr>
             <a:spLocks noGrp="1"/>
           </p:cNvSpPr>
@@ -4943,35 +5021,42 @@
         </p:nvSpPr>
         <p:spPr>
           <a:xfrm>
-            <a:off x="4429335" y="303698"/>
-            <a:ext cx="3657599" cy="427420"/>
-          </a:xfrm>
-        </p:spPr>
-        <p:txBody>
-          <a:bodyPr>
-            <a:noAutofit/>
+            <a:off x="0" y="-18674"/>
+            <a:ext cx="12192001" cy="1090786"/>
+          </a:xfrm>
+        </p:spPr>
+        <p:txBody>
+          <a:bodyPr lIns="0" tIns="0" rIns="0" bIns="0">
+            <a:normAutofit/>
           </a:bodyPr>
           <a:lstStyle/>
           <a:p>
-            <a:r>
-              <a:rPr lang="ru-RU" sz="2800" b="1" dirty="0" smtClean="0">
-                <a:solidFill>
-                  <a:srgbClr val="6B6B6B"/>
-                </a:solidFill>
+            <a:pPr algn="ctr"/>
+            <a:r>
+              <a:rPr lang="ru-RU" sz="2800" dirty="0" smtClean="0">
+                <a:solidFill>
+                  <a:srgbClr val="6B6B6B"/>
+                </a:solidFill>
+                <a:latin typeface="Museo Sans Cyrl 500" charset="0"/>
+                <a:ea typeface="Museo Sans Cyrl 500" charset="0"/>
+                <a:cs typeface="Museo Sans Cyrl 500" charset="0"/>
               </a:rPr>
               <a:t>Объединение квартир</a:t>
             </a:r>
-            <a:endParaRPr lang="ru-RU" sz="2800" b="1" dirty="0">
+            <a:endParaRPr lang="ru-RU" sz="2800" dirty="0">
               <a:solidFill>
                 <a:srgbClr val="6B6B6B"/>
               </a:solidFill>
+              <a:latin typeface="Museo Sans Cyrl 500" charset="0"/>
+              <a:ea typeface="Museo Sans Cyrl 500" charset="0"/>
+              <a:cs typeface="Museo Sans Cyrl 500" charset="0"/>
             </a:endParaRPr>
           </a:p>
         </p:txBody>
       </p:sp>
       <p:sp>
         <p:nvSpPr>
-          <p:cNvPr id="11" name="Заголовок 1"/>
+          <p:cNvPr id="6" name="Заголовок 1"/>
           <p:cNvSpPr txBox="1">
             <a:spLocks/>
           </p:cNvSpPr>
@@ -4979,15 +5064,15 @@
         </p:nvSpPr>
         <p:spPr>
           <a:xfrm>
-            <a:off x="4766248" y="837172"/>
-            <a:ext cx="2983775" cy="811257"/>
+            <a:off x="1" y="1072112"/>
+            <a:ext cx="12192000" cy="582324"/>
           </a:xfrm>
           <a:prstGeom prst="rect">
             <a:avLst/>
           </a:prstGeom>
         </p:spPr>
         <p:txBody>
-          <a:bodyPr vert="horz" lIns="91440" tIns="45720" rIns="91440" bIns="45720" rtlCol="0" anchor="ctr">
+          <a:bodyPr vert="horz" lIns="0" tIns="0" rIns="0" bIns="0" rtlCol="0" anchor="ctr">
             <a:normAutofit/>
           </a:bodyPr>
           <a:lstStyle>
@@ -5010,22 +5095,119 @@
             </a:lvl1pPr>
           </a:lstStyle>
           <a:p>
-            <a:r>
-              <a:rPr lang="ru-RU" sz="3600" b="1" dirty="0" smtClean="0">
-                <a:solidFill>
-                  <a:srgbClr val="6B6B6B"/>
-                </a:solidFill>
+            <a:pPr algn="ctr"/>
+            <a:r>
+              <a:rPr lang="ru-RU" sz="2800" dirty="0" smtClean="0">
+                <a:solidFill>
+                  <a:srgbClr val="6B6B6B"/>
+                </a:solidFill>
+                <a:latin typeface="Museo Sans Cyrl 100" charset="0"/>
+                <a:ea typeface="Museo Sans Cyrl 100" charset="0"/>
+                <a:cs typeface="Museo Sans Cyrl 100" charset="0"/>
               </a:rPr>
               <a:t>Пример кейса</a:t>
             </a:r>
-            <a:endParaRPr lang="ru-RU" sz="3600" b="1" dirty="0">
+            <a:endParaRPr lang="ru-RU" sz="2800" dirty="0">
               <a:solidFill>
                 <a:srgbClr val="6B6B6B"/>
               </a:solidFill>
+              <a:latin typeface="Museo Sans Cyrl 100" charset="0"/>
+              <a:ea typeface="Museo Sans Cyrl 100" charset="0"/>
+              <a:cs typeface="Museo Sans Cyrl 100" charset="0"/>
             </a:endParaRPr>
           </a:p>
         </p:txBody>
       </p:sp>
+      <p:pic>
+        <p:nvPicPr>
+          <p:cNvPr id="8" name="Picture 7"/>
+          <p:cNvPicPr>
+            <a:picLocks noChangeAspect="1"/>
+          </p:cNvPicPr>
+          <p:nvPr/>
+        </p:nvPicPr>
+        <p:blipFill>
+          <a:blip r:embed="rId2">
+            <a:extLst>
+              <a:ext uri="{28A0092B-C50C-407E-A947-70E740481C1C}">
+                <a14:useLocalDpi xmlns:a14="http://schemas.microsoft.com/office/drawing/2010/main" val="0"/>
+              </a:ext>
+            </a:extLst>
+          </a:blip>
+          <a:stretch>
+            <a:fillRect/>
+          </a:stretch>
+        </p:blipFill>
+        <p:spPr>
+          <a:xfrm>
+            <a:off x="1997846" y="4379322"/>
+            <a:ext cx="8073859" cy="1763295"/>
+          </a:xfrm>
+          <a:prstGeom prst="rect">
+            <a:avLst/>
+          </a:prstGeom>
+        </p:spPr>
+      </p:pic>
+      <p:pic>
+        <p:nvPicPr>
+          <p:cNvPr id="10" name="Picture 9"/>
+          <p:cNvPicPr>
+            <a:picLocks noChangeAspect="1"/>
+          </p:cNvPicPr>
+          <p:nvPr/>
+        </p:nvPicPr>
+        <p:blipFill>
+          <a:blip r:embed="rId2">
+            <a:extLst>
+              <a:ext uri="{28A0092B-C50C-407E-A947-70E740481C1C}">
+                <a14:useLocalDpi xmlns:a14="http://schemas.microsoft.com/office/drawing/2010/main" val="0"/>
+              </a:ext>
+            </a:extLst>
+          </a:blip>
+          <a:stretch>
+            <a:fillRect/>
+          </a:stretch>
+        </p:blipFill>
+        <p:spPr>
+          <a:xfrm>
+            <a:off x="348246" y="1858211"/>
+            <a:ext cx="5566334" cy="1763295"/>
+          </a:xfrm>
+          <a:prstGeom prst="rect">
+            <a:avLst/>
+          </a:prstGeom>
+        </p:spPr>
+      </p:pic>
+      <p:pic>
+        <p:nvPicPr>
+          <p:cNvPr id="11" name="Picture 10"/>
+          <p:cNvPicPr>
+            <a:picLocks noChangeAspect="1"/>
+          </p:cNvPicPr>
+          <p:nvPr/>
+        </p:nvPicPr>
+        <p:blipFill>
+          <a:blip r:embed="rId2">
+            <a:extLst>
+              <a:ext uri="{28A0092B-C50C-407E-A947-70E740481C1C}">
+                <a14:useLocalDpi xmlns:a14="http://schemas.microsoft.com/office/drawing/2010/main" val="0"/>
+              </a:ext>
+            </a:extLst>
+          </a:blip>
+          <a:stretch>
+            <a:fillRect/>
+          </a:stretch>
+        </p:blipFill>
+        <p:spPr>
+          <a:xfrm>
+            <a:off x="6232055" y="1858210"/>
+            <a:ext cx="5566334" cy="1763295"/>
+          </a:xfrm>
+          <a:prstGeom prst="rect">
+            <a:avLst/>
+          </a:prstGeom>
+        </p:spPr>
+      </p:pic>
       <p:pic>
         <p:nvPicPr>
           <p:cNvPr id="7" name="Picture 6"/>
@@ -5048,68 +5230,8 @@
         </p:blipFill>
         <p:spPr>
           <a:xfrm>
-            <a:off x="324182" y="1978528"/>
-            <a:ext cx="5566334" cy="1763295"/>
-          </a:xfrm>
-          <a:prstGeom prst="rect">
-            <a:avLst/>
-          </a:prstGeom>
-        </p:spPr>
-      </p:pic>
-      <p:pic>
-        <p:nvPicPr>
-          <p:cNvPr id="8" name="Picture 7"/>
-          <p:cNvPicPr>
-            <a:picLocks noChangeAspect="1"/>
-          </p:cNvPicPr>
-          <p:nvPr/>
-        </p:nvPicPr>
-        <p:blipFill>
-          <a:blip r:embed="rId2">
-            <a:extLst>
-              <a:ext uri="{28A0092B-C50C-407E-A947-70E740481C1C}">
-                <a14:useLocalDpi xmlns:a14="http://schemas.microsoft.com/office/drawing/2010/main" val="0"/>
-              </a:ext>
-            </a:extLst>
-          </a:blip>
-          <a:stretch>
-            <a:fillRect/>
-          </a:stretch>
-        </p:blipFill>
-        <p:spPr>
-          <a:xfrm>
-            <a:off x="348246" y="4312656"/>
-            <a:ext cx="5566334" cy="1763295"/>
-          </a:xfrm>
-          <a:prstGeom prst="rect">
-            <a:avLst/>
-          </a:prstGeom>
-        </p:spPr>
-      </p:pic>
-      <p:pic>
-        <p:nvPicPr>
-          <p:cNvPr id="9" name="Picture 8"/>
-          <p:cNvPicPr>
-            <a:picLocks noChangeAspect="1"/>
-          </p:cNvPicPr>
-          <p:nvPr/>
-        </p:nvPicPr>
-        <p:blipFill>
-          <a:blip r:embed="rId2">
-            <a:extLst>
-              <a:ext uri="{28A0092B-C50C-407E-A947-70E740481C1C}">
-                <a14:useLocalDpi xmlns:a14="http://schemas.microsoft.com/office/drawing/2010/main" val="0"/>
-              </a:ext>
-            </a:extLst>
-          </a:blip>
-          <a:stretch>
-            <a:fillRect/>
-          </a:stretch>
-        </p:blipFill>
-        <p:spPr>
-          <a:xfrm>
-            <a:off x="6556541" y="2339474"/>
-            <a:ext cx="4958638" cy="2930357"/>
+            <a:off x="1890928" y="3825279"/>
+            <a:ext cx="8410142" cy="2664153"/>
           </a:xfrm>
           <a:prstGeom prst="rect">
             <a:avLst/>
@@ -5119,13 +5241,20 @@
     </p:spTree>
     <p:extLst>
       <p:ext uri="{BB962C8B-B14F-4D97-AF65-F5344CB8AC3E}">
-        <p14:creationId xmlns:p14="http://schemas.microsoft.com/office/powerpoint/2010/main" val="2068035413"/>
+        <p14:creationId xmlns:p14="http://schemas.microsoft.com/office/powerpoint/2010/main" val="113243645"/>
       </p:ext>
     </p:extLst>
   </p:cSld>
   <p:clrMapOvr>
     <a:masterClrMapping/>
   </p:clrMapOvr>
+  <p:timing>
+    <p:tnLst>
+      <p:par>
+        <p:cTn id="1" dur="indefinite" restart="never" nodeType="tmRoot"/>
+      </p:par>
+    </p:tnLst>
+  </p:timing>
 </p:sld>
 </file>
 
@@ -5166,28 +5295,35 @@
         </p:nvSpPr>
         <p:spPr>
           <a:xfrm>
-            <a:off x="3259985" y="299419"/>
-            <a:ext cx="5547131" cy="406061"/>
-          </a:xfrm>
-        </p:spPr>
-        <p:txBody>
-          <a:bodyPr>
-            <a:normAutofit fontScale="90000"/>
+            <a:off x="0" y="-18674"/>
+            <a:ext cx="12192001" cy="1090786"/>
+          </a:xfrm>
+        </p:spPr>
+        <p:txBody>
+          <a:bodyPr lIns="0" tIns="0" rIns="0" bIns="0">
+            <a:normAutofit/>
           </a:bodyPr>
           <a:lstStyle/>
           <a:p>
-            <a:r>
-              <a:rPr lang="ru-RU" sz="2800" b="1" dirty="0" smtClean="0">
-                <a:solidFill>
-                  <a:srgbClr val="6B6B6B"/>
-                </a:solidFill>
-              </a:rPr>
-              <a:t>Выдача справки для перевода в жилое</a:t>
-            </a:r>
-            <a:endParaRPr lang="ru-RU" sz="2800" b="1" dirty="0">
+            <a:pPr algn="ctr"/>
+            <a:r>
+              <a:rPr lang="ru-RU" sz="2800" dirty="0" smtClean="0">
+                <a:solidFill>
+                  <a:srgbClr val="6B6B6B"/>
+                </a:solidFill>
+                <a:latin typeface="Museo Sans Cyrl 500" charset="0"/>
+                <a:ea typeface="Museo Sans Cyrl 500" charset="0"/>
+                <a:cs typeface="Museo Sans Cyrl 500" charset="0"/>
+              </a:rPr>
+              <a:t>Выдача справки для передачи в жилое</a:t>
+            </a:r>
+            <a:endParaRPr lang="ru-RU" sz="2800" dirty="0">
               <a:solidFill>
                 <a:srgbClr val="6B6B6B"/>
               </a:solidFill>
+              <a:latin typeface="Museo Sans Cyrl 500" charset="0"/>
+              <a:ea typeface="Museo Sans Cyrl 500" charset="0"/>
+              <a:cs typeface="Museo Sans Cyrl 500" charset="0"/>
             </a:endParaRPr>
           </a:p>
         </p:txBody>
@@ -5202,15 +5338,15 @@
         </p:nvSpPr>
         <p:spPr>
           <a:xfrm>
-            <a:off x="4514456" y="889178"/>
-            <a:ext cx="2924240" cy="711022"/>
+            <a:off x="1" y="1072112"/>
+            <a:ext cx="12192000" cy="582324"/>
           </a:xfrm>
           <a:prstGeom prst="rect">
             <a:avLst/>
           </a:prstGeom>
         </p:spPr>
         <p:txBody>
-          <a:bodyPr vert="horz" lIns="91440" tIns="45720" rIns="91440" bIns="45720" rtlCol="0" anchor="ctr">
+          <a:bodyPr vert="horz" lIns="0" tIns="0" rIns="0" bIns="0" rtlCol="0" anchor="ctr">
             <a:normAutofit/>
           </a:bodyPr>
           <a:lstStyle>
@@ -5233,32 +5369,39 @@
             </a:lvl1pPr>
           </a:lstStyle>
           <a:p>
-            <a:r>
-              <a:rPr lang="ru-RU" sz="3600" b="1" dirty="0" smtClean="0">
-                <a:solidFill>
-                  <a:srgbClr val="6B6B6B"/>
-                </a:solidFill>
+            <a:pPr algn="ctr"/>
+            <a:r>
+              <a:rPr lang="ru-RU" sz="2800" dirty="0" smtClean="0">
+                <a:solidFill>
+                  <a:srgbClr val="6B6B6B"/>
+                </a:solidFill>
+                <a:latin typeface="Museo Sans Cyrl 100" charset="0"/>
+                <a:ea typeface="Museo Sans Cyrl 100" charset="0"/>
+                <a:cs typeface="Museo Sans Cyrl 100" charset="0"/>
               </a:rPr>
               <a:t>Пример кейса</a:t>
             </a:r>
-            <a:endParaRPr lang="ru-RU" sz="3600" b="1" dirty="0">
+            <a:endParaRPr lang="ru-RU" sz="2800" dirty="0">
               <a:solidFill>
                 <a:srgbClr val="6B6B6B"/>
               </a:solidFill>
+              <a:latin typeface="Museo Sans Cyrl 100" charset="0"/>
+              <a:ea typeface="Museo Sans Cyrl 100" charset="0"/>
+              <a:cs typeface="Museo Sans Cyrl 100" charset="0"/>
             </a:endParaRPr>
           </a:p>
         </p:txBody>
       </p:sp>
       <p:pic>
         <p:nvPicPr>
-          <p:cNvPr id="11" name="Picture 10"/>
+          <p:cNvPr id="8" name="Picture 7"/>
           <p:cNvPicPr>
             <a:picLocks noChangeAspect="1"/>
           </p:cNvPicPr>
           <p:nvPr/>
         </p:nvPicPr>
         <p:blipFill>
-          <a:blip r:embed="rId3">
+          <a:blip r:embed="rId2">
             <a:extLst>
               <a:ext uri="{28A0092B-C50C-407E-A947-70E740481C1C}">
                 <a14:useLocalDpi xmlns:a14="http://schemas.microsoft.com/office/drawing/2010/main" val="0"/>
@@ -5271,8 +5414,8 @@
         </p:blipFill>
         <p:spPr>
           <a:xfrm>
-            <a:off x="268292" y="1891260"/>
-            <a:ext cx="5566334" cy="1763295"/>
+            <a:off x="1997846" y="4379322"/>
+            <a:ext cx="8073859" cy="1763295"/>
           </a:xfrm>
           <a:prstGeom prst="rect">
             <a:avLst/>
@@ -5281,14 +5424,14 @@
       </p:pic>
       <p:pic>
         <p:nvPicPr>
-          <p:cNvPr id="12" name="Picture 11"/>
+          <p:cNvPr id="10" name="Picture 9"/>
           <p:cNvPicPr>
             <a:picLocks noChangeAspect="1"/>
           </p:cNvPicPr>
           <p:nvPr/>
         </p:nvPicPr>
         <p:blipFill>
-          <a:blip r:embed="rId3">
+          <a:blip r:embed="rId2">
             <a:extLst>
               <a:ext uri="{28A0092B-C50C-407E-A947-70E740481C1C}">
                 <a14:useLocalDpi xmlns:a14="http://schemas.microsoft.com/office/drawing/2010/main" val="0"/>
@@ -5301,24 +5444,27 @@
         </p:blipFill>
         <p:spPr>
           <a:xfrm>
-            <a:off x="2967236" y="4248485"/>
+            <a:off x="348246" y="1858211"/>
             <a:ext cx="5566334" cy="1763295"/>
           </a:xfrm>
           <a:prstGeom prst="rect">
             <a:avLst/>
           </a:prstGeom>
+          <a:solidFill>
+            <a:schemeClr val="bg2"/>
+          </a:solidFill>
         </p:spPr>
       </p:pic>
       <p:pic>
         <p:nvPicPr>
-          <p:cNvPr id="13" name="Picture 12"/>
+          <p:cNvPr id="11" name="Picture 10"/>
           <p:cNvPicPr>
             <a:picLocks noChangeAspect="1"/>
           </p:cNvPicPr>
           <p:nvPr/>
         </p:nvPicPr>
         <p:blipFill>
-          <a:blip r:embed="rId3">
+          <a:blip r:embed="rId2">
             <a:extLst>
               <a:ext uri="{28A0092B-C50C-407E-A947-70E740481C1C}">
                 <a14:useLocalDpi xmlns:a14="http://schemas.microsoft.com/office/drawing/2010/main" val="0"/>
@@ -5331,8 +5477,38 @@
         </p:blipFill>
         <p:spPr>
           <a:xfrm>
-            <a:off x="6372058" y="1867196"/>
+            <a:off x="6232055" y="1858210"/>
             <a:ext cx="5566334" cy="1763295"/>
+          </a:xfrm>
+          <a:prstGeom prst="rect">
+            <a:avLst/>
+          </a:prstGeom>
+        </p:spPr>
+      </p:pic>
+      <p:pic>
+        <p:nvPicPr>
+          <p:cNvPr id="7" name="Picture 6"/>
+          <p:cNvPicPr>
+            <a:picLocks noChangeAspect="1"/>
+          </p:cNvPicPr>
+          <p:nvPr/>
+        </p:nvPicPr>
+        <p:blipFill>
+          <a:blip r:embed="rId2">
+            <a:extLst>
+              <a:ext uri="{28A0092B-C50C-407E-A947-70E740481C1C}">
+                <a14:useLocalDpi xmlns:a14="http://schemas.microsoft.com/office/drawing/2010/main" val="0"/>
+              </a:ext>
+            </a:extLst>
+          </a:blip>
+          <a:stretch>
+            <a:fillRect/>
+          </a:stretch>
+        </p:blipFill>
+        <p:spPr>
+          <a:xfrm>
+            <a:off x="1890928" y="3825279"/>
+            <a:ext cx="8410142" cy="2664153"/>
           </a:xfrm>
           <a:prstGeom prst="rect">
             <a:avLst/>
@@ -5342,13 +5518,20 @@
     </p:spTree>
     <p:extLst>
       <p:ext uri="{BB962C8B-B14F-4D97-AF65-F5344CB8AC3E}">
-        <p14:creationId xmlns:p14="http://schemas.microsoft.com/office/powerpoint/2010/main" val="2080615727"/>
+        <p14:creationId xmlns:p14="http://schemas.microsoft.com/office/powerpoint/2010/main" val="203253587"/>
       </p:ext>
     </p:extLst>
   </p:cSld>
   <p:clrMapOvr>
     <a:masterClrMapping/>
   </p:clrMapOvr>
+  <p:timing>
+    <p:tnLst>
+      <p:par>
+        <p:cTn id="1" dur="indefinite" restart="never" nodeType="tmRoot"/>
+      </p:par>
+    </p:tnLst>
+  </p:timing>
 </p:sld>
 </file>
 
@@ -5389,29 +5572,40 @@
         </p:nvSpPr>
         <p:spPr>
           <a:xfrm>
-            <a:off x="2663597" y="678807"/>
-            <a:ext cx="7064829" cy="1388604"/>
-          </a:xfrm>
-        </p:spPr>
-        <p:txBody>
-          <a:bodyPr>
-            <a:normAutofit fontScale="90000"/>
+            <a:off x="0" y="0"/>
+            <a:ext cx="12191999" cy="2286000"/>
+          </a:xfrm>
+        </p:spPr>
+        <p:txBody>
+          <a:bodyPr wrap="square" lIns="0" tIns="144000" rIns="0" bIns="0" anchor="ctr" anchorCtr="0">
+            <a:normAutofit/>
           </a:bodyPr>
           <a:lstStyle/>
           <a:p>
-            <a:r>
-              <a:rPr lang="ru-RU" b="1" dirty="0">
-                <a:solidFill>
-                  <a:srgbClr val="6B6B6B"/>
-                </a:solidFill>
-              </a:rPr>
-              <a:t>КОММЕНТАРИЙ СПЕЦИАЛИСТА</a:t>
+            <a:pPr algn="ctr">
+              <a:lnSpc>
+                <a:spcPts val="3800"/>
+              </a:lnSpc>
+            </a:pPr>
+            <a:r>
+              <a:rPr lang="ru-RU" dirty="0" smtClean="0">
+                <a:solidFill>
+                  <a:srgbClr val="6B6B6B"/>
+                </a:solidFill>
+                <a:latin typeface="Museo Sans Cyrl 300" charset="0"/>
+                <a:ea typeface="Museo Sans Cyrl 300" charset="0"/>
+                <a:cs typeface="Museo Sans Cyrl 300" charset="0"/>
+              </a:rPr>
+              <a:t>КОММЕНТАРИИ СПЕЦИАЛИСТА</a:t>
             </a:r>
             <a:r>
               <a:rPr lang="ru-RU" dirty="0">
                 <a:solidFill>
                   <a:srgbClr val="6B6B6B"/>
                 </a:solidFill>
+                <a:latin typeface="Museo Sans Cyrl 300" charset="0"/>
+                <a:ea typeface="Museo Sans Cyrl 300" charset="0"/>
+                <a:cs typeface="Museo Sans Cyrl 300" charset="0"/>
               </a:rPr>
               <a:t/>
             </a:r>
@@ -5420,6 +5614,9 @@
                 <a:solidFill>
                   <a:srgbClr val="6B6B6B"/>
                 </a:solidFill>
+                <a:latin typeface="Museo Sans Cyrl 300" charset="0"/>
+                <a:ea typeface="Museo Sans Cyrl 300" charset="0"/>
+                <a:cs typeface="Museo Sans Cyrl 300" charset="0"/>
               </a:rPr>
             </a:br>
             <a:r>
@@ -5427,44 +5624,41 @@
                 <a:solidFill>
                   <a:srgbClr val="6B6B6B"/>
                 </a:solidFill>
-              </a:rPr>
-              <a:t>     </a:t>
-            </a:r>
-            <a:r>
-              <a:rPr lang="ru-RU" b="1" dirty="0" smtClean="0">
-                <a:solidFill>
-                  <a:srgbClr val="6B6B6B"/>
-                </a:solidFill>
+                <a:latin typeface="Museo Sans Cyrl 300" charset="0"/>
+                <a:ea typeface="Museo Sans Cyrl 300" charset="0"/>
+                <a:cs typeface="Museo Sans Cyrl 300" charset="0"/>
               </a:rPr>
               <a:t>о </a:t>
             </a:r>
             <a:r>
-              <a:rPr lang="ru-RU" b="1" dirty="0">
-                <a:solidFill>
-                  <a:srgbClr val="6B6B6B"/>
-                </a:solidFill>
-              </a:rPr>
-              <a:t>дальнейших действиях</a:t>
-            </a:r>
-            <a:r>
               <a:rPr lang="ru-RU" dirty="0">
                 <a:solidFill>
                   <a:srgbClr val="6B6B6B"/>
                 </a:solidFill>
-              </a:rPr>
-              <a:t/>
-            </a:r>
-            <a:br>
-              <a:rPr lang="ru-RU" dirty="0">
-                <a:solidFill>
-                  <a:srgbClr val="6B6B6B"/>
-                </a:solidFill>
-              </a:rPr>
-            </a:br>
+                <a:latin typeface="Museo Sans Cyrl 300" charset="0"/>
+                <a:ea typeface="Museo Sans Cyrl 300" charset="0"/>
+                <a:cs typeface="Museo Sans Cyrl 300" charset="0"/>
+              </a:rPr>
+              <a:t>дальнейших </a:t>
+            </a:r>
+            <a:r>
+              <a:rPr lang="ru-RU" dirty="0" smtClean="0">
+                <a:solidFill>
+                  <a:srgbClr val="6B6B6B"/>
+                </a:solidFill>
+                <a:latin typeface="Museo Sans Cyrl 300" charset="0"/>
+                <a:ea typeface="Museo Sans Cyrl 300" charset="0"/>
+                <a:cs typeface="Museo Sans Cyrl 300" charset="0"/>
+              </a:rPr>
+              <a:t>действиях</a:t>
+            </a:r>
             <a:endParaRPr lang="ru-RU" dirty="0">
               <a:solidFill>
                 <a:srgbClr val="6B6B6B"/>
               </a:solidFill>
+              <a:latin typeface="Museo Sans Cyrl 300" charset="0"/>
+              <a:ea typeface="Museo Sans Cyrl 300" charset="0"/>
+              <a:cs typeface="Museo Sans Cyrl 300" charset="0"/>
             </a:endParaRPr>
           </a:p>
         </p:txBody>
@@ -5481,81 +5675,86 @@
         </p:nvSpPr>
         <p:spPr>
           <a:xfrm>
-            <a:off x="533400" y="2068831"/>
-            <a:ext cx="10920411" cy="4297680"/>
-          </a:xfrm>
-        </p:spPr>
-        <p:txBody>
-          <a:bodyPr>
-            <a:normAutofit/>
+            <a:off x="124695" y="2286000"/>
+            <a:ext cx="12191999" cy="4571999"/>
+          </a:xfrm>
+        </p:spPr>
+        <p:txBody>
+          <a:bodyPr lIns="720000" tIns="0" rIns="720000" bIns="720000">
+            <a:noAutofit/>
           </a:bodyPr>
           <a:lstStyle/>
           <a:p>
             <a:pPr marL="0" indent="0">
+              <a:spcBef>
+                <a:spcPts val="2600"/>
+              </a:spcBef>
               <a:buNone/>
             </a:pPr>
             <a:r>
-              <a:rPr lang="ru-RU" dirty="0">
-                <a:solidFill>
-                  <a:srgbClr val="6B6B6B"/>
-                </a:solidFill>
-              </a:rPr>
-              <a:t>В наступающем месяце мы планируем подробно освещать близкое окончание хода строительства и продолжать вести обсуждение облагораживания придомовой территории, внося ясность по этому вопросу, так как на горизонте маячат прения насчёт детских </a:t>
-            </a:r>
-            <a:r>
-              <a:rPr lang="ru-RU" dirty="0" smtClean="0">
-                <a:solidFill>
-                  <a:srgbClr val="6B6B6B"/>
-                </a:solidFill>
-              </a:rPr>
-              <a:t>площадок</a:t>
-            </a:r>
-            <a:r>
-              <a:rPr lang="ru-RU" dirty="0">
-                <a:solidFill>
-                  <a:srgbClr val="6B6B6B"/>
-                </a:solidFill>
-              </a:rPr>
-              <a:t>.</a:t>
-            </a:r>
-          </a:p>
-          <a:p>
-            <a:pPr marL="0" indent="0">
-              <a:buNone/>
-            </a:pPr>
-            <a:r>
-              <a:rPr lang="ru-RU" dirty="0">
-                <a:solidFill>
-                  <a:srgbClr val="6B6B6B"/>
-                </a:solidFill>
-              </a:rPr>
-              <a:t>Так же, одной из основных задач на грядущий месяц будет своевременно и четко парировать продолжающиеся выпады АВ</a:t>
-            </a:r>
-          </a:p>
-          <a:p>
-            <a:pPr marL="0" indent="0">
-              <a:buNone/>
-            </a:pPr>
-            <a:r>
-              <a:rPr lang="ru-RU" dirty="0">
-                <a:solidFill>
-                  <a:srgbClr val="6B6B6B"/>
-                </a:solidFill>
-              </a:rPr>
-              <a:t>В дополнение мы будем стараться удерживать свои позиции в сохранении абсолютного большинства положительных показателей в процентном </a:t>
-            </a:r>
-            <a:r>
-              <a:rPr lang="ru-RU" dirty="0" smtClean="0">
-                <a:solidFill>
-                  <a:srgbClr val="6B6B6B"/>
-                </a:solidFill>
-              </a:rPr>
-              <a:t>соотношении.</a:t>
-            </a:r>
-            <a:endParaRPr lang="ru-RU" dirty="0">
+              <a:rPr lang="ru-RU" sz="2500" dirty="0" smtClean="0">
+                <a:solidFill>
+                  <a:srgbClr val="6B6B6B"/>
+                </a:solidFill>
+                <a:latin typeface="Museo Sans Cyrl 100" charset="0"/>
+                <a:ea typeface="Museo Sans Cyrl 100" charset="0"/>
+                <a:cs typeface="Museo Sans Cyrl 100" charset="0"/>
+              </a:rPr>
+              <a:t>В наступающем месяце мы планируем подробно освещать близкое окончание хода строительства и продолжать вести обсуждение облагораживания придомовой территории, внося ясность по этому вопросу, так как на горизонте маячат прения насчёт детских площадок.</a:t>
+            </a:r>
+            <a:endParaRPr lang="en-US" sz="2500" dirty="0">
               <a:solidFill>
                 <a:srgbClr val="6B6B6B"/>
               </a:solidFill>
+              <a:latin typeface="Museo Sans Cyrl 100" charset="0"/>
+              <a:ea typeface="Museo Sans Cyrl 100" charset="0"/>
+              <a:cs typeface="Museo Sans Cyrl 100" charset="0"/>
+            </a:endParaRPr>
+          </a:p>
+          <a:p>
+            <a:pPr marL="0" indent="0">
+              <a:spcBef>
+                <a:spcPts val="2600"/>
+              </a:spcBef>
+              <a:buNone/>
+            </a:pPr>
+            <a:r>
+              <a:rPr lang="ru-RU" sz="2500" dirty="0" smtClean="0">
+                <a:solidFill>
+                  <a:srgbClr val="6B6B6B"/>
+                </a:solidFill>
+                <a:latin typeface="Museo Sans Cyrl 100" charset="0"/>
+                <a:ea typeface="Museo Sans Cyrl 100" charset="0"/>
+                <a:cs typeface="Museo Sans Cyrl 100" charset="0"/>
+              </a:rPr>
+              <a:t>Так же, одной из основных задач на грядущий месяц будет своевременно и четко парировать продолжающиеся выпады АВ</a:t>
+            </a:r>
+          </a:p>
+          <a:p>
+            <a:pPr marL="0" indent="0">
+              <a:spcBef>
+                <a:spcPts val="2600"/>
+              </a:spcBef>
+              <a:buNone/>
+            </a:pPr>
+            <a:r>
+              <a:rPr lang="ru-RU" sz="2500" dirty="0" smtClean="0">
+                <a:solidFill>
+                  <a:srgbClr val="6B6B6B"/>
+                </a:solidFill>
+                <a:latin typeface="Museo Sans Cyrl 100" charset="0"/>
+                <a:ea typeface="Museo Sans Cyrl 100" charset="0"/>
+                <a:cs typeface="Museo Sans Cyrl 100" charset="0"/>
+              </a:rPr>
+              <a:t>В дополнение мы будем стараться удерживать свои позиции в сохранении абсолютного большинства положительных показателей в процентном соотношении.</a:t>
+            </a:r>
+            <a:endParaRPr lang="ru-RU" sz="2500" dirty="0">
+              <a:solidFill>
+                <a:srgbClr val="6B6B6B"/>
+              </a:solidFill>
+              <a:latin typeface="Museo Sans Cyrl 100" charset="0"/>
+              <a:ea typeface="Museo Sans Cyrl 100" charset="0"/>
+              <a:cs typeface="Museo Sans Cyrl 100" charset="0"/>
             </a:endParaRPr>
           </a:p>
         </p:txBody>
@@ -5605,57 +5804,6 @@
           <a:chExt cx="0" cy="0"/>
         </a:xfrm>
       </p:grpSpPr>
-      <p:sp>
-        <p:nvSpPr>
-          <p:cNvPr id="2" name="Заголовок 1"/>
-          <p:cNvSpPr>
-            <a:spLocks noGrp="1"/>
-          </p:cNvSpPr>
-          <p:nvPr>
-            <p:ph type="title"/>
-          </p:nvPr>
-        </p:nvSpPr>
-        <p:spPr>
-          <a:xfrm>
-            <a:off x="2444932" y="500062"/>
-            <a:ext cx="7574280" cy="1325563"/>
-          </a:xfrm>
-        </p:spPr>
-        <p:txBody>
-          <a:bodyPr/>
-          <a:lstStyle/>
-          <a:p>
-            <a:r>
-              <a:rPr lang="ru-RU" b="1" dirty="0" smtClean="0">
-                <a:solidFill>
-                  <a:srgbClr val="6B6B6B"/>
-                </a:solidFill>
-              </a:rPr>
-              <a:t>СПИСОК ЦЕЛЕВЫХ ПЛОЩАДОК</a:t>
-            </a:r>
-            <a:r>
-              <a:rPr lang="ru-RU" dirty="0" smtClean="0">
-                <a:solidFill>
-                  <a:srgbClr val="6B6B6B"/>
-                </a:solidFill>
-              </a:rPr>
-              <a:t/>
-            </a:r>
-            <a:br>
-              <a:rPr lang="ru-RU" dirty="0" smtClean="0">
-                <a:solidFill>
-                  <a:srgbClr val="6B6B6B"/>
-                </a:solidFill>
-              </a:rPr>
-            </a:br>
-            <a:endParaRPr lang="ru-RU" dirty="0">
-              <a:solidFill>
-                <a:srgbClr val="6B6B6B"/>
-              </a:solidFill>
-            </a:endParaRPr>
-          </a:p>
-        </p:txBody>
-      </p:sp>
       <p:pic>
         <p:nvPicPr>
           <p:cNvPr id="3" name="Picture 2"/>
@@ -5708,7 +5856,7 @@
         </p:blipFill>
         <p:spPr>
           <a:xfrm>
-            <a:off x="8041822" y="1643062"/>
+            <a:off x="8117128" y="1643062"/>
             <a:ext cx="3365500" cy="1054100"/>
           </a:xfrm>
           <a:prstGeom prst="rect">
@@ -5738,7 +5886,7 @@
         </p:blipFill>
         <p:spPr>
           <a:xfrm>
-            <a:off x="8509907" y="3584915"/>
+            <a:off x="8585213" y="3584915"/>
             <a:ext cx="2692400" cy="901700"/>
           </a:xfrm>
           <a:prstGeom prst="rect">
@@ -5768,7 +5916,7 @@
         </p:blipFill>
         <p:spPr>
           <a:xfrm>
-            <a:off x="4623707" y="3104357"/>
+            <a:off x="4699013" y="3104357"/>
             <a:ext cx="2209800" cy="1701800"/>
           </a:xfrm>
           <a:prstGeom prst="rect">
@@ -5798,7 +5946,7 @@
         </p:blipFill>
         <p:spPr>
           <a:xfrm>
-            <a:off x="8446407" y="5464176"/>
+            <a:off x="8521713" y="5464176"/>
             <a:ext cx="2755900" cy="876300"/>
           </a:xfrm>
           <a:prstGeom prst="rect">
@@ -5828,7 +5976,7 @@
         </p:blipFill>
         <p:spPr>
           <a:xfrm>
-            <a:off x="4276725" y="5618845"/>
+            <a:off x="4352031" y="5618845"/>
             <a:ext cx="3035300" cy="723900"/>
           </a:xfrm>
           <a:prstGeom prst="rect">
@@ -5858,7 +6006,7 @@
         </p:blipFill>
         <p:spPr>
           <a:xfrm>
-            <a:off x="602343" y="5544457"/>
+            <a:off x="677649" y="5544457"/>
             <a:ext cx="2540000" cy="850900"/>
           </a:xfrm>
           <a:prstGeom prst="rect">
@@ -5918,7 +6066,7 @@
         </p:blipFill>
         <p:spPr>
           <a:xfrm>
-            <a:off x="4455251" y="1535112"/>
+            <a:off x="4530557" y="1545870"/>
             <a:ext cx="2997200" cy="1054100"/>
           </a:xfrm>
           <a:prstGeom prst="rect">
@@ -5948,7 +6096,7 @@
         </p:blipFill>
         <p:spPr>
           <a:xfrm>
-            <a:off x="4498975" y="3053445"/>
+            <a:off x="4574281" y="3053445"/>
             <a:ext cx="2590800" cy="2032000"/>
           </a:xfrm>
           <a:prstGeom prst="rect">
@@ -5978,7 +6126,7 @@
         </p:blipFill>
         <p:spPr>
           <a:xfrm>
-            <a:off x="8332107" y="5430047"/>
+            <a:off x="8256800" y="5397773"/>
             <a:ext cx="3149600" cy="1041400"/>
           </a:xfrm>
           <a:prstGeom prst="rect">
@@ -6008,7 +6156,7 @@
         </p:blipFill>
         <p:spPr>
           <a:xfrm>
-            <a:off x="8446407" y="3580607"/>
+            <a:off x="8328073" y="3580607"/>
             <a:ext cx="3035300" cy="965200"/>
           </a:xfrm>
           <a:prstGeom prst="rect">
@@ -6038,7 +6186,7 @@
         </p:blipFill>
         <p:spPr>
           <a:xfrm>
-            <a:off x="153534" y="5529945"/>
+            <a:off x="164292" y="5529945"/>
             <a:ext cx="3556000" cy="901700"/>
           </a:xfrm>
           <a:prstGeom prst="rect">
@@ -6068,7 +6216,7 @@
         </p:blipFill>
         <p:spPr>
           <a:xfrm>
-            <a:off x="389618" y="3521415"/>
+            <a:off x="464924" y="3521415"/>
             <a:ext cx="3213100" cy="1028700"/>
           </a:xfrm>
           <a:prstGeom prst="rect">
@@ -6098,7 +6246,7 @@
         </p:blipFill>
         <p:spPr>
           <a:xfrm>
-            <a:off x="153534" y="1543163"/>
+            <a:off x="228840" y="1543163"/>
             <a:ext cx="3911600" cy="1295400"/>
           </a:xfrm>
           <a:prstGeom prst="rect">
@@ -6128,7 +6276,7 @@
         </p:blipFill>
         <p:spPr>
           <a:xfrm>
-            <a:off x="4034972" y="5618845"/>
+            <a:off x="4110278" y="5575813"/>
             <a:ext cx="3543300" cy="863600"/>
           </a:xfrm>
           <a:prstGeom prst="rect">
@@ -6136,6 +6284,66 @@
           </a:prstGeom>
         </p:spPr>
       </p:pic>
+      <p:sp>
+        <p:nvSpPr>
+          <p:cNvPr id="21" name="Заголовок 1"/>
+          <p:cNvSpPr>
+            <a:spLocks noGrp="1"/>
+          </p:cNvSpPr>
+          <p:nvPr>
+            <p:ph type="title"/>
+          </p:nvPr>
+        </p:nvSpPr>
+        <p:spPr>
+          <a:xfrm>
+            <a:off x="0" y="0"/>
+            <a:ext cx="12191999" cy="1543163"/>
+          </a:xfrm>
+        </p:spPr>
+        <p:txBody>
+          <a:bodyPr wrap="square" lIns="0" tIns="144000" rIns="0" bIns="0" anchor="ctr" anchorCtr="0">
+            <a:normAutofit/>
+          </a:bodyPr>
+          <a:lstStyle/>
+          <a:p>
+            <a:pPr algn="ctr">
+              <a:lnSpc>
+                <a:spcPts val="3800"/>
+              </a:lnSpc>
+            </a:pPr>
+            <a:r>
+              <a:rPr lang="ru-RU" dirty="0" smtClean="0">
+                <a:solidFill>
+                  <a:srgbClr val="6B6B6B"/>
+                </a:solidFill>
+                <a:latin typeface="Museo Sans Cyrl 300" charset="0"/>
+                <a:ea typeface="Museo Sans Cyrl 300" charset="0"/>
+                <a:cs typeface="Museo Sans Cyrl 300" charset="0"/>
+              </a:rPr>
+              <a:t>Список </a:t>
+            </a:r>
+            <a:r>
+              <a:rPr lang="ru-RU" smtClean="0">
+                <a:solidFill>
+                  <a:srgbClr val="6B6B6B"/>
+                </a:solidFill>
+                <a:latin typeface="Museo Sans Cyrl 300" charset="0"/>
+                <a:ea typeface="Museo Sans Cyrl 300" charset="0"/>
+                <a:cs typeface="Museo Sans Cyrl 300" charset="0"/>
+              </a:rPr>
+              <a:t>целевых площадок</a:t>
+            </a:r>
+            <a:endParaRPr lang="ru-RU" dirty="0">
+              <a:solidFill>
+                <a:srgbClr val="6B6B6B"/>
+              </a:solidFill>
+              <a:latin typeface="Museo Sans Cyrl 300" charset="0"/>
+              <a:ea typeface="Museo Sans Cyrl 300" charset="0"/>
+              <a:cs typeface="Museo Sans Cyrl 300" charset="0"/>
+            </a:endParaRPr>
+          </a:p>
+        </p:txBody>
+      </p:sp>
     </p:spTree>
     <p:extLst>
       <p:ext uri="{BB962C8B-B14F-4D97-AF65-F5344CB8AC3E}">
@@ -6193,22 +6401,23 @@
         </p:nvSpPr>
         <p:spPr>
           <a:xfrm>
-            <a:off x="772885" y="397782"/>
-            <a:ext cx="10515600" cy="1325563"/>
+            <a:off x="0" y="0"/>
+            <a:ext cx="12192000" cy="1911927"/>
           </a:xfrm>
         </p:spPr>
         <p:txBody>
           <a:bodyPr/>
           <a:lstStyle/>
           <a:p>
+            <a:pPr algn="ctr"/>
             <a:r>
               <a:rPr lang="ru-RU" dirty="0" smtClean="0">
                 <a:solidFill>
                   <a:srgbClr val="6B6B6B"/>
                 </a:solidFill>
-                <a:latin typeface="Museo Sans Cyrl 500" charset="0"/>
-                <a:ea typeface="Museo Sans Cyrl 500" charset="0"/>
-                <a:cs typeface="Museo Sans Cyrl 500" charset="0"/>
+                <a:latin typeface="Museo Sans Cyrl 300" charset="0"/>
+                <a:ea typeface="Museo Sans Cyrl 300" charset="0"/>
+                <a:cs typeface="Museo Sans Cyrl 300" charset="0"/>
               </a:rPr>
               <a:t>Оглавление</a:t>
             </a:r>
@@ -6369,6 +6578,13 @@
   <p:clrMapOvr>
     <a:masterClrMapping/>
   </p:clrMapOvr>
+  <p:timing>
+    <p:tnLst>
+      <p:par>
+        <p:cTn id="1" dur="indefinite" restart="never" nodeType="tmRoot"/>
+      </p:par>
+    </p:tnLst>
+  </p:timing>
 </p:sld>
 </file>
 
@@ -6409,24 +6625,25 @@
         </p:nvSpPr>
         <p:spPr>
           <a:xfrm>
-            <a:off x="576943" y="591670"/>
-            <a:ext cx="10515600" cy="1613647"/>
-          </a:xfrm>
-        </p:spPr>
-        <p:txBody>
-          <a:bodyPr>
-            <a:normAutofit fontScale="90000"/>
+            <a:off x="0" y="0"/>
+            <a:ext cx="12192000" cy="2161309"/>
+          </a:xfrm>
+        </p:spPr>
+        <p:txBody>
+          <a:bodyPr lIns="0" tIns="0" rIns="0" bIns="0">
+            <a:normAutofit/>
           </a:bodyPr>
           <a:lstStyle/>
           <a:p>
+            <a:pPr algn="ctr"/>
             <a:r>
               <a:rPr lang="ru-RU" dirty="0">
                 <a:solidFill>
                   <a:srgbClr val="6B6B6B"/>
                 </a:solidFill>
-                <a:latin typeface="Museo Sans Cyrl 500" charset="0"/>
-                <a:ea typeface="Museo Sans Cyrl 500" charset="0"/>
-                <a:cs typeface="Museo Sans Cyrl 500" charset="0"/>
+                <a:latin typeface="Museo Sans Cyrl 300" charset="0"/>
+                <a:ea typeface="Museo Sans Cyrl 300" charset="0"/>
+                <a:cs typeface="Museo Sans Cyrl 300" charset="0"/>
               </a:rPr>
               <a:t>Статус целей, обозначенных на текущий отчетный </a:t>
             </a:r>
@@ -6435,9 +6652,9 @@
                 <a:solidFill>
                   <a:srgbClr val="6B6B6B"/>
                 </a:solidFill>
-                <a:latin typeface="Museo Sans Cyrl 500" charset="0"/>
-                <a:ea typeface="Museo Sans Cyrl 500" charset="0"/>
-                <a:cs typeface="Museo Sans Cyrl 500" charset="0"/>
+                <a:latin typeface="Museo Sans Cyrl 300" charset="0"/>
+                <a:ea typeface="Museo Sans Cyrl 300" charset="0"/>
+                <a:cs typeface="Museo Sans Cyrl 300" charset="0"/>
               </a:rPr>
               <a:t>месяц</a:t>
             </a:r>
@@ -6446,40 +6663,19 @@
                 <a:solidFill>
                   <a:srgbClr val="6B6B6B"/>
                 </a:solidFill>
-                <a:latin typeface="Museo Sans Cyrl 500" charset="0"/>
-                <a:ea typeface="Museo Sans Cyrl 500" charset="0"/>
-                <a:cs typeface="Museo Sans Cyrl 500" charset="0"/>
+                <a:latin typeface="Museo Sans Cyrl 300" charset="0"/>
+                <a:ea typeface="Museo Sans Cyrl 300" charset="0"/>
+                <a:cs typeface="Museo Sans Cyrl 300" charset="0"/>
               </a:rPr>
               <a:t>:</a:t>
             </a:r>
-            <a:r>
-              <a:rPr lang="ru-RU" dirty="0">
-                <a:solidFill>
-                  <a:srgbClr val="6B6B6B"/>
-                </a:solidFill>
-                <a:latin typeface="Museo Sans Cyrl 500" charset="0"/>
-                <a:ea typeface="Museo Sans Cyrl 500" charset="0"/>
-                <a:cs typeface="Museo Sans Cyrl 500" charset="0"/>
-              </a:rPr>
-              <a:t/>
-            </a:r>
-            <a:br>
-              <a:rPr lang="ru-RU" dirty="0">
-                <a:solidFill>
-                  <a:srgbClr val="6B6B6B"/>
-                </a:solidFill>
-                <a:latin typeface="Museo Sans Cyrl 500" charset="0"/>
-                <a:ea typeface="Museo Sans Cyrl 500" charset="0"/>
-                <a:cs typeface="Museo Sans Cyrl 500" charset="0"/>
-              </a:rPr>
-            </a:br>
             <a:endParaRPr lang="ru-RU" dirty="0">
               <a:solidFill>
                 <a:srgbClr val="6B6B6B"/>
               </a:solidFill>
-              <a:latin typeface="Museo Sans Cyrl 500" charset="0"/>
-              <a:ea typeface="Museo Sans Cyrl 500" charset="0"/>
-              <a:cs typeface="Museo Sans Cyrl 500" charset="0"/>
+              <a:latin typeface="Museo Sans Cyrl 300" charset="0"/>
+              <a:ea typeface="Museo Sans Cyrl 300" charset="0"/>
+              <a:cs typeface="Museo Sans Cyrl 300" charset="0"/>
             </a:endParaRPr>
           </a:p>
         </p:txBody>
@@ -6496,18 +6692,18 @@
         </p:nvSpPr>
         <p:spPr>
           <a:xfrm>
-            <a:off x="363071" y="2205317"/>
-            <a:ext cx="11725835" cy="4522054"/>
-          </a:xfrm>
-        </p:spPr>
-        <p:txBody>
-          <a:bodyPr>
+            <a:off x="0" y="2454698"/>
+            <a:ext cx="12191999" cy="3655157"/>
+          </a:xfrm>
+        </p:spPr>
+        <p:txBody>
+          <a:bodyPr lIns="720000" rIns="720000">
             <a:normAutofit/>
           </a:bodyPr>
           <a:lstStyle/>
           <a:p>
             <a:r>
-              <a:rPr lang="ru-RU" dirty="0">
+              <a:rPr lang="ru-RU" sz="2400" dirty="0">
                 <a:solidFill>
                   <a:srgbClr val="6B6B6B"/>
                 </a:solidFill>
@@ -6518,7 +6714,7 @@
               <a:t>Достижение абсолютного большинства положительных показателей в информационном поле: процент положительной информации планируется привести к 51% и </a:t>
             </a:r>
             <a:r>
-              <a:rPr lang="ru-RU" dirty="0" smtClean="0">
+              <a:rPr lang="ru-RU" sz="2400" dirty="0" smtClean="0">
                 <a:solidFill>
                   <a:srgbClr val="6B6B6B"/>
                 </a:solidFill>
@@ -6531,7 +6727,7 @@
           </a:p>
           <a:p>
             <a:r>
-              <a:rPr lang="ru-RU" dirty="0" smtClean="0">
+              <a:rPr lang="ru-RU" sz="2400" dirty="0" smtClean="0">
                 <a:solidFill>
                   <a:srgbClr val="6B6B6B"/>
                 </a:solidFill>
@@ -6542,7 +6738,7 @@
               <a:t>Нейтрализация </a:t>
             </a:r>
             <a:r>
-              <a:rPr lang="ru-RU" dirty="0">
+              <a:rPr lang="ru-RU" sz="2400" dirty="0">
                 <a:solidFill>
                   <a:srgbClr val="6B6B6B"/>
                 </a:solidFill>
@@ -6553,7 +6749,7 @@
               <a:t>образовывающихся отрицательных комментариев и отзывов. </a:t>
             </a:r>
             <a:r>
-              <a:rPr lang="ru-RU" dirty="0" smtClean="0">
+              <a:rPr lang="ru-RU" sz="2400" dirty="0" smtClean="0">
                 <a:solidFill>
                   <a:srgbClr val="6B6B6B"/>
                 </a:solidFill>
@@ -6564,7 +6760,7 @@
               <a:t>Выполнено</a:t>
             </a:r>
             <a:r>
-              <a:rPr lang="ru-RU" dirty="0">
+              <a:rPr lang="ru-RU" sz="2400" dirty="0">
                 <a:solidFill>
                   <a:srgbClr val="6B6B6B"/>
                 </a:solidFill>
@@ -6577,7 +6773,7 @@
           </a:p>
           <a:p>
             <a:r>
-              <a:rPr lang="ru-RU" dirty="0">
+              <a:rPr lang="ru-RU" sz="2400" dirty="0">
                 <a:solidFill>
                   <a:srgbClr val="6B6B6B"/>
                 </a:solidFill>
@@ -6588,7 +6784,7 @@
               <a:t>Ликвидация спорных и неоднозначных вопросов (диалоги, агенты влияния). Работа с </a:t>
             </a:r>
             <a:r>
-              <a:rPr lang="ru-RU" dirty="0" smtClean="0">
+              <a:rPr lang="ru-RU" sz="2400" dirty="0" smtClean="0">
                 <a:solidFill>
                   <a:srgbClr val="6B6B6B"/>
                 </a:solidFill>
@@ -6599,7 +6795,7 @@
               <a:t>возражениями. Выполнено</a:t>
             </a:r>
             <a:r>
-              <a:rPr lang="ru-RU" dirty="0">
+              <a:rPr lang="ru-RU" sz="2400" dirty="0">
                 <a:solidFill>
                   <a:srgbClr val="6B6B6B"/>
                 </a:solidFill>
@@ -6612,7 +6808,7 @@
           </a:p>
           <a:p>
             <a:r>
-              <a:rPr lang="ru-RU" dirty="0">
+              <a:rPr lang="ru-RU" sz="2400" dirty="0">
                 <a:solidFill>
                   <a:srgbClr val="6B6B6B"/>
                 </a:solidFill>
@@ -6623,7 +6819,7 @@
               <a:t>Ведение официальной коммуникации с владельцами площадок, для удаления лживой и порочащей информации. </a:t>
             </a:r>
             <a:r>
-              <a:rPr lang="ru-RU" dirty="0" smtClean="0">
+              <a:rPr lang="ru-RU" sz="2400" dirty="0" smtClean="0">
                 <a:solidFill>
                   <a:srgbClr val="6B6B6B"/>
                 </a:solidFill>
@@ -6633,7 +6829,7 @@
               </a:rPr>
               <a:t>В разработке</a:t>
             </a:r>
-            <a:endParaRPr lang="ru-RU" dirty="0">
+            <a:endParaRPr lang="ru-RU" sz="2400" dirty="0">
               <a:solidFill>
                 <a:srgbClr val="6B6B6B"/>
               </a:solidFill>
@@ -6654,6 +6850,13 @@
   <p:clrMapOvr>
     <a:masterClrMapping/>
   </p:clrMapOvr>
+  <p:timing>
+    <p:tnLst>
+      <p:par>
+        <p:cTn id="1" dur="indefinite" restart="never" nodeType="tmRoot"/>
+      </p:par>
+    </p:tnLst>
+  </p:timing>
 </p:sld>
 </file>
 
@@ -6694,18 +6897,19 @@
         </p:nvSpPr>
         <p:spPr>
           <a:xfrm>
-            <a:off x="627319" y="340241"/>
-            <a:ext cx="11347469" cy="816205"/>
-          </a:xfrm>
-        </p:spPr>
-        <p:txBody>
-          <a:bodyPr>
+            <a:off x="0" y="0"/>
+            <a:ext cx="12191999" cy="1731817"/>
+          </a:xfrm>
+        </p:spPr>
+        <p:txBody>
+          <a:bodyPr lIns="0" tIns="0" rIns="0" bIns="0">
             <a:normAutofit/>
           </a:bodyPr>
           <a:lstStyle/>
           <a:p>
-            <a:r>
-              <a:rPr lang="ru-RU" sz="3000" dirty="0" smtClean="0">
+            <a:pPr algn="ctr"/>
+            <a:r>
+              <a:rPr lang="ru-RU" sz="2800" dirty="0" smtClean="0">
                 <a:solidFill>
                   <a:srgbClr val="6B6B6B"/>
                 </a:solidFill>
@@ -6713,9 +6917,9 @@
                 <a:ea typeface="Museo Sans Cyrl 500" charset="0"/>
                 <a:cs typeface="Museo Sans Cyrl 500" charset="0"/>
               </a:rPr>
-              <a:t>Полученный результат в ключевых показателях и графиках</a:t>
-            </a:r>
-            <a:endParaRPr lang="ru-RU" sz="3000" dirty="0">
+              <a:t>ПОЛУЧЕННЫЙ РЕЗУЛЬТАТ В КЛЮЧЕВЫХ ПОКАЗАТЕЛЯХ И ГРАФИКАХ</a:t>
+            </a:r>
+            <a:endParaRPr lang="ru-RU" sz="2800" dirty="0">
               <a:solidFill>
                 <a:srgbClr val="6B6B6B"/>
               </a:solidFill>
@@ -7027,6 +7231,13 @@
   <p:clrMapOvr>
     <a:masterClrMapping/>
   </p:clrMapOvr>
+  <p:timing>
+    <p:tnLst>
+      <p:par>
+        <p:cTn id="1" dur="indefinite" restart="never" nodeType="tmRoot"/>
+      </p:par>
+    </p:tnLst>
+  </p:timing>
 </p:sld>
 </file>
 
@@ -7057,69 +7268,13 @@
       </p:grpSpPr>
       <p:sp>
         <p:nvSpPr>
-          <p:cNvPr id="2" name="Заголовок 1"/>
-          <p:cNvSpPr>
-            <a:spLocks noGrp="1"/>
-          </p:cNvSpPr>
-          <p:nvPr>
-            <p:ph type="title"/>
-          </p:nvPr>
-        </p:nvSpPr>
-        <p:spPr>
-          <a:xfrm>
-            <a:off x="685048" y="422031"/>
-            <a:ext cx="10938835" cy="925264"/>
-          </a:xfrm>
-        </p:spPr>
-        <p:txBody>
-          <a:bodyPr>
-            <a:normAutofit fontScale="90000"/>
-          </a:bodyPr>
-          <a:lstStyle/>
-          <a:p>
-            <a:r>
-              <a:rPr lang="ru-RU" sz="3500" dirty="0">
-                <a:solidFill>
-                  <a:srgbClr val="6B6B6B"/>
-                </a:solidFill>
-                <a:latin typeface="Museo Sans Cyrl 500" charset="0"/>
-                <a:ea typeface="Museo Sans Cyrl 500" charset="0"/>
-                <a:cs typeface="Museo Sans Cyrl 500" charset="0"/>
-              </a:rPr>
-              <a:t>ИЗМЕНЕНИЕ ИНФОРМАЦИОННОГО ПОЛЯ ЗА МЕСЯЦ</a:t>
-            </a:r>
-            <a:r>
-              <a:rPr lang="ru-RU" sz="3500" dirty="0" smtClean="0">
-                <a:solidFill>
-                  <a:srgbClr val="6B6B6B"/>
-                </a:solidFill>
-                <a:effectLst/>
-                <a:latin typeface="Museo Sans Cyrl 500" charset="0"/>
-                <a:ea typeface="Museo Sans Cyrl 500" charset="0"/>
-                <a:cs typeface="Museo Sans Cyrl 500" charset="0"/>
-              </a:rPr>
-              <a:t> </a:t>
-            </a:r>
-            <a:endParaRPr lang="ru-RU" sz="3500" dirty="0">
-              <a:solidFill>
-                <a:srgbClr val="6B6B6B"/>
-              </a:solidFill>
-              <a:latin typeface="Museo Sans Cyrl 500" charset="0"/>
-              <a:ea typeface="Museo Sans Cyrl 500" charset="0"/>
-              <a:cs typeface="Museo Sans Cyrl 500" charset="0"/>
-            </a:endParaRPr>
-          </a:p>
-        </p:txBody>
-      </p:sp>
-      <p:sp>
-        <p:nvSpPr>
           <p:cNvPr id="6" name="TextBox 5"/>
           <p:cNvSpPr txBox="1"/>
           <p:nvPr/>
         </p:nvSpPr>
         <p:spPr>
           <a:xfrm>
-            <a:off x="1257720" y="1598288"/>
+            <a:off x="1248422" y="1608400"/>
             <a:ext cx="9418357" cy="2031325"/>
           </a:xfrm>
           <a:prstGeom prst="rect">
@@ -7208,7 +7363,7 @@
         </p:blipFill>
         <p:spPr>
           <a:xfrm>
-            <a:off x="941198" y="4402357"/>
+            <a:off x="941197" y="4459686"/>
             <a:ext cx="10032806" cy="2398314"/>
           </a:xfrm>
           <a:prstGeom prst="rect">
@@ -7216,6 +7371,51 @@
           </a:prstGeom>
         </p:spPr>
       </p:pic>
+      <p:sp>
+        <p:nvSpPr>
+          <p:cNvPr id="7" name="Заголовок 1"/>
+          <p:cNvSpPr>
+            <a:spLocks noGrp="1"/>
+          </p:cNvSpPr>
+          <p:nvPr>
+            <p:ph type="title"/>
+          </p:nvPr>
+        </p:nvSpPr>
+        <p:spPr>
+          <a:xfrm>
+            <a:off x="0" y="0"/>
+            <a:ext cx="12191999" cy="1731817"/>
+          </a:xfrm>
+        </p:spPr>
+        <p:txBody>
+          <a:bodyPr lIns="0" tIns="0" rIns="0" bIns="0">
+            <a:normAutofit/>
+          </a:bodyPr>
+          <a:lstStyle/>
+          <a:p>
+            <a:pPr algn="ctr"/>
+            <a:r>
+              <a:rPr lang="ru-RU" sz="2800" dirty="0" smtClean="0">
+                <a:solidFill>
+                  <a:srgbClr val="6B6B6B"/>
+                </a:solidFill>
+                <a:latin typeface="Museo Sans Cyrl 500" charset="0"/>
+                <a:ea typeface="Museo Sans Cyrl 500" charset="0"/>
+                <a:cs typeface="Museo Sans Cyrl 500" charset="0"/>
+              </a:rPr>
+              <a:t>ИЗМЕНЕНИЕ ИНФОРМАЦИОННОГО ПОЛЯ ЗА МЕСЯЦ</a:t>
+            </a:r>
+            <a:endParaRPr lang="ru-RU" sz="2800" dirty="0">
+              <a:solidFill>
+                <a:srgbClr val="6B6B6B"/>
+              </a:solidFill>
+              <a:latin typeface="Museo Sans Cyrl 500" charset="0"/>
+              <a:ea typeface="Museo Sans Cyrl 500" charset="0"/>
+              <a:cs typeface="Museo Sans Cyrl 500" charset="0"/>
+            </a:endParaRPr>
+          </a:p>
+        </p:txBody>
+      </p:sp>
     </p:spTree>
     <p:extLst>
       <p:ext uri="{BB962C8B-B14F-4D97-AF65-F5344CB8AC3E}">
@@ -7226,6 +7426,13 @@
   <p:clrMapOvr>
     <a:masterClrMapping/>
   </p:clrMapOvr>
+  <p:timing>
+    <p:tnLst>
+      <p:par>
+        <p:cTn id="1" dur="indefinite" restart="never" nodeType="tmRoot"/>
+      </p:par>
+    </p:tnLst>
+  </p:timing>
 </p:sld>
 </file>
 
@@ -7266,43 +7473,46 @@
         </p:nvSpPr>
         <p:spPr>
           <a:xfrm>
-            <a:off x="620242" y="605317"/>
-            <a:ext cx="11618257" cy="591671"/>
-          </a:xfrm>
-        </p:spPr>
-        <p:txBody>
-          <a:bodyPr>
-            <a:normAutofit fontScale="90000"/>
+            <a:off x="1" y="218137"/>
+            <a:ext cx="12192000" cy="591671"/>
+          </a:xfrm>
+        </p:spPr>
+        <p:txBody>
+          <a:bodyPr lIns="0">
+            <a:normAutofit/>
           </a:bodyPr>
           <a:lstStyle/>
           <a:p>
-            <a:r>
-              <a:rPr lang="ru-RU" sz="3600" b="1" dirty="0">
-                <a:solidFill>
-                  <a:srgbClr val="6B6B6B"/>
-                </a:solidFill>
-              </a:rPr>
-              <a:t>ИЗМЕНЕНИЕ ИНФОРМАЦИОННОГО ПОЛЯ НА НАЧАЛО МЕСЯЦА</a:t>
-            </a:r>
-            <a:r>
-              <a:rPr lang="ru-RU" dirty="0">
-                <a:solidFill>
-                  <a:srgbClr val="6B6B6B"/>
-                </a:solidFill>
-              </a:rPr>
-              <a:t/>
-            </a:r>
-            <a:br>
-              <a:rPr lang="ru-RU" dirty="0">
-                <a:solidFill>
-                  <a:srgbClr val="6B6B6B"/>
-                </a:solidFill>
-              </a:rPr>
-            </a:br>
-            <a:endParaRPr lang="ru-RU" dirty="0">
+            <a:pPr algn="ctr"/>
+            <a:r>
+              <a:rPr lang="ru-RU" sz="2500" dirty="0">
+                <a:solidFill>
+                  <a:srgbClr val="6B6B6B"/>
+                </a:solidFill>
+                <a:latin typeface="Museo Sans Cyrl 500" charset="0"/>
+                <a:ea typeface="Museo Sans Cyrl 500" charset="0"/>
+                <a:cs typeface="Museo Sans Cyrl 500" charset="0"/>
+              </a:rPr>
+              <a:t>ИЗМЕНЕНИЕ ИНФОРМАЦИОННОГО ПОЛЯ НА НАЧАЛО </a:t>
+            </a:r>
+            <a:r>
+              <a:rPr lang="ru-RU" sz="2500" dirty="0" smtClean="0">
+                <a:solidFill>
+                  <a:srgbClr val="6B6B6B"/>
+                </a:solidFill>
+                <a:latin typeface="Museo Sans Cyrl 500" charset="0"/>
+                <a:ea typeface="Museo Sans Cyrl 500" charset="0"/>
+                <a:cs typeface="Museo Sans Cyrl 500" charset="0"/>
+              </a:rPr>
+              <a:t>МЕСЯЦА</a:t>
+            </a:r>
+            <a:endParaRPr lang="ru-RU" sz="2500" dirty="0">
               <a:solidFill>
                 <a:srgbClr val="6B6B6B"/>
               </a:solidFill>
+              <a:latin typeface="Museo Sans Cyrl 500" charset="0"/>
+              <a:ea typeface="Museo Sans Cyrl 500" charset="0"/>
+              <a:cs typeface="Museo Sans Cyrl 500" charset="0"/>
             </a:endParaRPr>
           </a:p>
         </p:txBody>
@@ -7647,6 +7857,13 @@
   <p:clrMapOvr>
     <a:masterClrMapping/>
   </p:clrMapOvr>
+  <p:timing>
+    <p:tnLst>
+      <p:par>
+        <p:cTn id="1" dur="indefinite" restart="never" nodeType="tmRoot"/>
+      </p:par>
+    </p:tnLst>
+  </p:timing>
 </p:sld>
 </file>
 
@@ -7677,59 +7894,6 @@
       </p:grpSpPr>
       <p:sp>
         <p:nvSpPr>
-          <p:cNvPr id="2" name="Заголовок 1"/>
-          <p:cNvSpPr>
-            <a:spLocks noGrp="1"/>
-          </p:cNvSpPr>
-          <p:nvPr>
-            <p:ph type="title"/>
-          </p:nvPr>
-        </p:nvSpPr>
-        <p:spPr>
-          <a:xfrm>
-            <a:off x="620242" y="605317"/>
-            <a:ext cx="11618257" cy="591671"/>
-          </a:xfrm>
-        </p:spPr>
-        <p:txBody>
-          <a:bodyPr>
-            <a:normAutofit fontScale="90000"/>
-          </a:bodyPr>
-          <a:lstStyle/>
-          <a:p>
-            <a:r>
-              <a:rPr lang="ru-RU" sz="3600" b="1" dirty="0">
-                <a:solidFill>
-                  <a:srgbClr val="6B6B6B"/>
-                </a:solidFill>
-              </a:rPr>
-              <a:t>ИЗМЕНЕНИЕ ИНФОРМАЦИОННОГО ПОЛЯ НА НАЧАЛО МЕСЯЦА</a:t>
-            </a:r>
-            <a:r>
-              <a:rPr lang="ru-RU" dirty="0">
-                <a:solidFill>
-                  <a:srgbClr val="6B6B6B"/>
-                </a:solidFill>
-              </a:rPr>
-              <a:t/>
-            </a:r>
-            <a:br>
-              <a:rPr lang="ru-RU" dirty="0">
-                <a:solidFill>
-                  <a:srgbClr val="6B6B6B"/>
-                </a:solidFill>
-              </a:rPr>
-            </a:br>
-            <a:endParaRPr lang="ru-RU" dirty="0">
-              <a:solidFill>
-                <a:srgbClr val="6B6B6B"/>
-              </a:solidFill>
-            </a:endParaRPr>
-          </a:p>
-        </p:txBody>
-      </p:sp>
-      <p:sp>
-        <p:nvSpPr>
           <p:cNvPr id="3" name="Объект 2"/>
           <p:cNvSpPr>
             <a:spLocks noGrp="1"/>
@@ -8088,6 +8252,62 @@
           </a:prstGeom>
         </p:spPr>
       </p:pic>
+      <p:sp>
+        <p:nvSpPr>
+          <p:cNvPr id="13" name="Заголовок 1"/>
+          <p:cNvSpPr>
+            <a:spLocks noGrp="1"/>
+          </p:cNvSpPr>
+          <p:nvPr>
+            <p:ph type="title"/>
+          </p:nvPr>
+        </p:nvSpPr>
+        <p:spPr>
+          <a:xfrm>
+            <a:off x="1" y="218137"/>
+            <a:ext cx="12192000" cy="591671"/>
+          </a:xfrm>
+        </p:spPr>
+        <p:txBody>
+          <a:bodyPr lIns="0">
+            <a:normAutofit fontScale="90000"/>
+          </a:bodyPr>
+          <a:lstStyle/>
+          <a:p>
+            <a:pPr algn="ctr"/>
+            <a:r>
+              <a:rPr lang="ru-RU" sz="2800" dirty="0">
+                <a:solidFill>
+                  <a:srgbClr val="6B6B6B"/>
+                </a:solidFill>
+                <a:latin typeface="Museo Sans Cyrl 500" charset="0"/>
+                <a:ea typeface="Museo Sans Cyrl 500" charset="0"/>
+                <a:cs typeface="Museo Sans Cyrl 500" charset="0"/>
+              </a:rPr>
+              <a:t>ИЗМЕНЕНИЕ ИНФОРМАЦИОННОГО ПОЛЯ НА </a:t>
+            </a:r>
+            <a:r>
+              <a:rPr lang="ru-RU" sz="2800" dirty="0" smtClean="0">
+                <a:solidFill>
+                  <a:srgbClr val="6B6B6B"/>
+                </a:solidFill>
+                <a:latin typeface="Museo Sans Cyrl 500" charset="0"/>
+                <a:ea typeface="Museo Sans Cyrl 500" charset="0"/>
+                <a:cs typeface="Museo Sans Cyrl 500" charset="0"/>
+              </a:rPr>
+              <a:t>ПЕРВУЮ НЕДЕЛЮ МЕСЯЦА</a:t>
+            </a:r>
+            <a:endParaRPr lang="ru-RU" sz="2800" dirty="0">
+              <a:solidFill>
+                <a:srgbClr val="6B6B6B"/>
+              </a:solidFill>
+              <a:latin typeface="Museo Sans Cyrl 500" charset="0"/>
+              <a:ea typeface="Museo Sans Cyrl 500" charset="0"/>
+              <a:cs typeface="Museo Sans Cyrl 500" charset="0"/>
+            </a:endParaRPr>
+          </a:p>
+        </p:txBody>
+      </p:sp>
     </p:spTree>
     <p:extLst>
       <p:ext uri="{BB962C8B-B14F-4D97-AF65-F5344CB8AC3E}">
@@ -8098,6 +8318,13 @@
   <p:clrMapOvr>
     <a:masterClrMapping/>
   </p:clrMapOvr>
+  <p:timing>
+    <p:tnLst>
+      <p:par>
+        <p:cTn id="1" dur="indefinite" restart="never" nodeType="tmRoot"/>
+      </p:par>
+    </p:tnLst>
+  </p:timing>
 </p:sld>
 </file>
 
@@ -8128,59 +8355,6 @@
       </p:grpSpPr>
       <p:sp>
         <p:nvSpPr>
-          <p:cNvPr id="2" name="Заголовок 1"/>
-          <p:cNvSpPr>
-            <a:spLocks noGrp="1"/>
-          </p:cNvSpPr>
-          <p:nvPr>
-            <p:ph type="title"/>
-          </p:nvPr>
-        </p:nvSpPr>
-        <p:spPr>
-          <a:xfrm>
-            <a:off x="620242" y="605317"/>
-            <a:ext cx="11618257" cy="591671"/>
-          </a:xfrm>
-        </p:spPr>
-        <p:txBody>
-          <a:bodyPr>
-            <a:normAutofit fontScale="90000"/>
-          </a:bodyPr>
-          <a:lstStyle/>
-          <a:p>
-            <a:r>
-              <a:rPr lang="ru-RU" sz="3600" b="1" dirty="0">
-                <a:solidFill>
-                  <a:srgbClr val="6B6B6B"/>
-                </a:solidFill>
-              </a:rPr>
-              <a:t>ИЗМЕНЕНИЕ ИНФОРМАЦИОННОГО ПОЛЯ НА НАЧАЛО МЕСЯЦА</a:t>
-            </a:r>
-            <a:r>
-              <a:rPr lang="ru-RU" dirty="0">
-                <a:solidFill>
-                  <a:srgbClr val="6B6B6B"/>
-                </a:solidFill>
-              </a:rPr>
-              <a:t/>
-            </a:r>
-            <a:br>
-              <a:rPr lang="ru-RU" dirty="0">
-                <a:solidFill>
-                  <a:srgbClr val="6B6B6B"/>
-                </a:solidFill>
-              </a:rPr>
-            </a:br>
-            <a:endParaRPr lang="ru-RU" dirty="0">
-              <a:solidFill>
-                <a:srgbClr val="6B6B6B"/>
-              </a:solidFill>
-            </a:endParaRPr>
-          </a:p>
-        </p:txBody>
-      </p:sp>
-      <p:sp>
-        <p:nvSpPr>
           <p:cNvPr id="3" name="Объект 2"/>
           <p:cNvSpPr>
             <a:spLocks noGrp="1"/>
@@ -8539,6 +8713,62 @@
           </a:prstGeom>
         </p:spPr>
       </p:pic>
+      <p:sp>
+        <p:nvSpPr>
+          <p:cNvPr id="13" name="Заголовок 1"/>
+          <p:cNvSpPr>
+            <a:spLocks noGrp="1"/>
+          </p:cNvSpPr>
+          <p:nvPr>
+            <p:ph type="title"/>
+          </p:nvPr>
+        </p:nvSpPr>
+        <p:spPr>
+          <a:xfrm>
+            <a:off x="1" y="218137"/>
+            <a:ext cx="12192000" cy="591671"/>
+          </a:xfrm>
+        </p:spPr>
+        <p:txBody>
+          <a:bodyPr lIns="0">
+            <a:normAutofit fontScale="90000"/>
+          </a:bodyPr>
+          <a:lstStyle/>
+          <a:p>
+            <a:pPr algn="ctr"/>
+            <a:r>
+              <a:rPr lang="ru-RU" sz="2800" dirty="0">
+                <a:solidFill>
+                  <a:srgbClr val="6B6B6B"/>
+                </a:solidFill>
+                <a:latin typeface="Museo Sans Cyrl 500" charset="0"/>
+                <a:ea typeface="Museo Sans Cyrl 500" charset="0"/>
+                <a:cs typeface="Museo Sans Cyrl 500" charset="0"/>
+              </a:rPr>
+              <a:t>ИЗМЕНЕНИЕ ИНФОРМАЦИОННОГО ПОЛЯ НА </a:t>
+            </a:r>
+            <a:r>
+              <a:rPr lang="ru-RU" sz="2800" dirty="0" smtClean="0">
+                <a:solidFill>
+                  <a:srgbClr val="6B6B6B"/>
+                </a:solidFill>
+                <a:latin typeface="Museo Sans Cyrl 500" charset="0"/>
+                <a:ea typeface="Museo Sans Cyrl 500" charset="0"/>
+                <a:cs typeface="Museo Sans Cyrl 500" charset="0"/>
+              </a:rPr>
+              <a:t>ВТОРУЮ НЕДЕЛЮ МЕСЯЦА</a:t>
+            </a:r>
+            <a:endParaRPr lang="ru-RU" sz="2800" dirty="0">
+              <a:solidFill>
+                <a:srgbClr val="6B6B6B"/>
+              </a:solidFill>
+              <a:latin typeface="Museo Sans Cyrl 500" charset="0"/>
+              <a:ea typeface="Museo Sans Cyrl 500" charset="0"/>
+              <a:cs typeface="Museo Sans Cyrl 500" charset="0"/>
+            </a:endParaRPr>
+          </a:p>
+        </p:txBody>
+      </p:sp>
     </p:spTree>
     <p:extLst>
       <p:ext uri="{BB962C8B-B14F-4D97-AF65-F5344CB8AC3E}">
@@ -8549,6 +8779,13 @@
   <p:clrMapOvr>
     <a:masterClrMapping/>
   </p:clrMapOvr>
+  <p:timing>
+    <p:tnLst>
+      <p:par>
+        <p:cTn id="1" dur="indefinite" restart="never" nodeType="tmRoot"/>
+      </p:par>
+    </p:tnLst>
+  </p:timing>
 </p:sld>
 </file>
 
@@ -8579,59 +8816,6 @@
       </p:grpSpPr>
       <p:sp>
         <p:nvSpPr>
-          <p:cNvPr id="2" name="Заголовок 1"/>
-          <p:cNvSpPr>
-            <a:spLocks noGrp="1"/>
-          </p:cNvSpPr>
-          <p:nvPr>
-            <p:ph type="title"/>
-          </p:nvPr>
-        </p:nvSpPr>
-        <p:spPr>
-          <a:xfrm>
-            <a:off x="620242" y="605317"/>
-            <a:ext cx="11618257" cy="591671"/>
-          </a:xfrm>
-        </p:spPr>
-        <p:txBody>
-          <a:bodyPr>
-            <a:normAutofit fontScale="90000"/>
-          </a:bodyPr>
-          <a:lstStyle/>
-          <a:p>
-            <a:r>
-              <a:rPr lang="ru-RU" sz="3600" b="1" dirty="0">
-                <a:solidFill>
-                  <a:srgbClr val="6B6B6B"/>
-                </a:solidFill>
-              </a:rPr>
-              <a:t>ИЗМЕНЕНИЕ ИНФОРМАЦИОННОГО ПОЛЯ НА НАЧАЛО МЕСЯЦА</a:t>
-            </a:r>
-            <a:r>
-              <a:rPr lang="ru-RU" dirty="0">
-                <a:solidFill>
-                  <a:srgbClr val="6B6B6B"/>
-                </a:solidFill>
-              </a:rPr>
-              <a:t/>
-            </a:r>
-            <a:br>
-              <a:rPr lang="ru-RU" dirty="0">
-                <a:solidFill>
-                  <a:srgbClr val="6B6B6B"/>
-                </a:solidFill>
-              </a:rPr>
-            </a:br>
-            <a:endParaRPr lang="ru-RU" dirty="0">
-              <a:solidFill>
-                <a:srgbClr val="6B6B6B"/>
-              </a:solidFill>
-            </a:endParaRPr>
-          </a:p>
-        </p:txBody>
-      </p:sp>
-      <p:sp>
-        <p:nvSpPr>
           <p:cNvPr id="3" name="Объект 2"/>
           <p:cNvSpPr>
             <a:spLocks noGrp="1"/>
@@ -8990,6 +9174,62 @@
           </a:prstGeom>
         </p:spPr>
       </p:pic>
+      <p:sp>
+        <p:nvSpPr>
+          <p:cNvPr id="13" name="Заголовок 1"/>
+          <p:cNvSpPr>
+            <a:spLocks noGrp="1"/>
+          </p:cNvSpPr>
+          <p:nvPr>
+            <p:ph type="title"/>
+          </p:nvPr>
+        </p:nvSpPr>
+        <p:spPr>
+          <a:xfrm>
+            <a:off x="1" y="218137"/>
+            <a:ext cx="12192000" cy="591671"/>
+          </a:xfrm>
+        </p:spPr>
+        <p:txBody>
+          <a:bodyPr lIns="0">
+            <a:normAutofit fontScale="90000"/>
+          </a:bodyPr>
+          <a:lstStyle/>
+          <a:p>
+            <a:pPr algn="ctr"/>
+            <a:r>
+              <a:rPr lang="ru-RU" sz="2800" dirty="0">
+                <a:solidFill>
+                  <a:srgbClr val="6B6B6B"/>
+                </a:solidFill>
+                <a:latin typeface="Museo Sans Cyrl 500" charset="0"/>
+                <a:ea typeface="Museo Sans Cyrl 500" charset="0"/>
+                <a:cs typeface="Museo Sans Cyrl 500" charset="0"/>
+              </a:rPr>
+              <a:t>ИЗМЕНЕНИЕ ИНФОРМАЦИОННОГО ПОЛЯ НА </a:t>
+            </a:r>
+            <a:r>
+              <a:rPr lang="ru-RU" sz="2800" dirty="0" smtClean="0">
+                <a:solidFill>
+                  <a:srgbClr val="6B6B6B"/>
+                </a:solidFill>
+                <a:latin typeface="Museo Sans Cyrl 500" charset="0"/>
+                <a:ea typeface="Museo Sans Cyrl 500" charset="0"/>
+                <a:cs typeface="Museo Sans Cyrl 500" charset="0"/>
+              </a:rPr>
+              <a:t>ТРЕТЬЮ НЕДЕЛЮ МЕСЯЦА</a:t>
+            </a:r>
+            <a:endParaRPr lang="ru-RU" sz="2800" dirty="0">
+              <a:solidFill>
+                <a:srgbClr val="6B6B6B"/>
+              </a:solidFill>
+              <a:latin typeface="Museo Sans Cyrl 500" charset="0"/>
+              <a:ea typeface="Museo Sans Cyrl 500" charset="0"/>
+              <a:cs typeface="Museo Sans Cyrl 500" charset="0"/>
+            </a:endParaRPr>
+          </a:p>
+        </p:txBody>
+      </p:sp>
     </p:spTree>
     <p:extLst>
       <p:ext uri="{BB962C8B-B14F-4D97-AF65-F5344CB8AC3E}">
@@ -9000,6 +9240,13 @@
   <p:clrMapOvr>
     <a:masterClrMapping/>
   </p:clrMapOvr>
+  <p:timing>
+    <p:tnLst>
+      <p:par>
+        <p:cTn id="1" dur="indefinite" restart="never" nodeType="tmRoot"/>
+      </p:par>
+    </p:tnLst>
+  </p:timing>
 </p:sld>
 </file>
 
